--- a/Tuesday Morning Theory/Multidisciplinary Projects p2.pptx
+++ b/Tuesday Morning Theory/Multidisciplinary Projects p2.pptx
@@ -194,910 +194,6 @@
 <file path=ppt/changesInfos/changesInfo1.xml><?xml version="1.0" encoding="utf-8"?>
 <pc:chgInfo xmlns:a="http://schemas.openxmlformats.org/drawingml/2006/main" xmlns:r="http://schemas.openxmlformats.org/officeDocument/2006/relationships" xmlns:ac="http://schemas.microsoft.com/office/drawing/2013/main/command" xmlns:pc="http://schemas.microsoft.com/office/powerpoint/2013/main/command">
   <pc:docChgLst>
-    <pc:chgData name="Tung Kieu" userId="b4b21c43-520c-42f5-a1c6-1446bd617b0e" providerId="ADAL" clId="{8E65E9D7-4E72-47D4-9474-3BDA719DD7A3}"/>
-    <pc:docChg chg="undo custSel addSld delSld modSld">
-      <pc:chgData name="Tung Kieu" userId="b4b21c43-520c-42f5-a1c6-1446bd617b0e" providerId="ADAL" clId="{8E65E9D7-4E72-47D4-9474-3BDA719DD7A3}" dt="2023-06-05T21:37:17.483" v="1154" actId="47"/>
-      <pc:docMkLst>
-        <pc:docMk/>
-      </pc:docMkLst>
-      <pc:sldChg chg="modSp mod">
-        <pc:chgData name="Tung Kieu" userId="b4b21c43-520c-42f5-a1c6-1446bd617b0e" providerId="ADAL" clId="{8E65E9D7-4E72-47D4-9474-3BDA719DD7A3}" dt="2023-06-03T19:38:59.878" v="27" actId="20577"/>
-        <pc:sldMkLst>
-          <pc:docMk/>
-          <pc:sldMk cId="270143235" sldId="257"/>
-        </pc:sldMkLst>
-        <pc:spChg chg="mod">
-          <ac:chgData name="Tung Kieu" userId="b4b21c43-520c-42f5-a1c6-1446bd617b0e" providerId="ADAL" clId="{8E65E9D7-4E72-47D4-9474-3BDA719DD7A3}" dt="2023-06-03T19:38:59.878" v="27" actId="20577"/>
-          <ac:spMkLst>
-            <pc:docMk/>
-            <pc:sldMk cId="270143235" sldId="257"/>
-            <ac:spMk id="3" creationId="{264353A9-9343-4658-9014-2BBAC57AA8CB}"/>
-          </ac:spMkLst>
-        </pc:spChg>
-      </pc:sldChg>
-      <pc:sldChg chg="modSp mod">
-        <pc:chgData name="Tung Kieu" userId="b4b21c43-520c-42f5-a1c6-1446bd617b0e" providerId="ADAL" clId="{8E65E9D7-4E72-47D4-9474-3BDA719DD7A3}" dt="2023-06-03T19:41:04.255" v="71" actId="20577"/>
-        <pc:sldMkLst>
-          <pc:docMk/>
-          <pc:sldMk cId="3319934939" sldId="258"/>
-        </pc:sldMkLst>
-        <pc:spChg chg="mod">
-          <ac:chgData name="Tung Kieu" userId="b4b21c43-520c-42f5-a1c6-1446bd617b0e" providerId="ADAL" clId="{8E65E9D7-4E72-47D4-9474-3BDA719DD7A3}" dt="2023-06-03T19:41:04.255" v="71" actId="20577"/>
-          <ac:spMkLst>
-            <pc:docMk/>
-            <pc:sldMk cId="3319934939" sldId="258"/>
-            <ac:spMk id="3" creationId="{51235932-C2E0-45C8-BFF4-366B6F835996}"/>
-          </ac:spMkLst>
-        </pc:spChg>
-      </pc:sldChg>
-      <pc:sldChg chg="modSp mod">
-        <pc:chgData name="Tung Kieu" userId="b4b21c43-520c-42f5-a1c6-1446bd617b0e" providerId="ADAL" clId="{8E65E9D7-4E72-47D4-9474-3BDA719DD7A3}" dt="2023-06-03T19:41:18.535" v="93" actId="20577"/>
-        <pc:sldMkLst>
-          <pc:docMk/>
-          <pc:sldMk cId="2657390394" sldId="260"/>
-        </pc:sldMkLst>
-        <pc:spChg chg="mod">
-          <ac:chgData name="Tung Kieu" userId="b4b21c43-520c-42f5-a1c6-1446bd617b0e" providerId="ADAL" clId="{8E65E9D7-4E72-47D4-9474-3BDA719DD7A3}" dt="2023-06-03T19:41:18.535" v="93" actId="20577"/>
-          <ac:spMkLst>
-            <pc:docMk/>
-            <pc:sldMk cId="2657390394" sldId="260"/>
-            <ac:spMk id="3" creationId="{D8B7C2EF-56B3-4C5D-9CB3-DA6BB4AE9DC4}"/>
-          </ac:spMkLst>
-        </pc:spChg>
-      </pc:sldChg>
-      <pc:sldChg chg="del">
-        <pc:chgData name="Tung Kieu" userId="b4b21c43-520c-42f5-a1c6-1446bd617b0e" providerId="ADAL" clId="{8E65E9D7-4E72-47D4-9474-3BDA719DD7A3}" dt="2023-06-03T19:41:34.963" v="94" actId="2696"/>
-        <pc:sldMkLst>
-          <pc:docMk/>
-          <pc:sldMk cId="967116661" sldId="261"/>
-        </pc:sldMkLst>
-      </pc:sldChg>
-      <pc:sldChg chg="modSp new mod">
-        <pc:chgData name="Tung Kieu" userId="b4b21c43-520c-42f5-a1c6-1446bd617b0e" providerId="ADAL" clId="{8E65E9D7-4E72-47D4-9474-3BDA719DD7A3}" dt="2023-06-03T19:43:51.414" v="201" actId="20577"/>
-        <pc:sldMkLst>
-          <pc:docMk/>
-          <pc:sldMk cId="3882873561" sldId="261"/>
-        </pc:sldMkLst>
-        <pc:spChg chg="mod">
-          <ac:chgData name="Tung Kieu" userId="b4b21c43-520c-42f5-a1c6-1446bd617b0e" providerId="ADAL" clId="{8E65E9D7-4E72-47D4-9474-3BDA719DD7A3}" dt="2023-06-03T19:42:33.411" v="152" actId="20577"/>
-          <ac:spMkLst>
-            <pc:docMk/>
-            <pc:sldMk cId="3882873561" sldId="261"/>
-            <ac:spMk id="2" creationId="{6125BC8D-6225-42FD-8DBE-F1007733845E}"/>
-          </ac:spMkLst>
-        </pc:spChg>
-        <pc:spChg chg="mod">
-          <ac:chgData name="Tung Kieu" userId="b4b21c43-520c-42f5-a1c6-1446bd617b0e" providerId="ADAL" clId="{8E65E9D7-4E72-47D4-9474-3BDA719DD7A3}" dt="2023-06-03T19:43:51.414" v="201" actId="20577"/>
-          <ac:spMkLst>
-            <pc:docMk/>
-            <pc:sldMk cId="3882873561" sldId="261"/>
-            <ac:spMk id="3" creationId="{C23FC18A-DC3D-4722-881D-83FEC9FB2301}"/>
-          </ac:spMkLst>
-        </pc:spChg>
-      </pc:sldChg>
-      <pc:sldChg chg="modSp new mod">
-        <pc:chgData name="Tung Kieu" userId="b4b21c43-520c-42f5-a1c6-1446bd617b0e" providerId="ADAL" clId="{8E65E9D7-4E72-47D4-9474-3BDA719DD7A3}" dt="2023-06-03T19:44:58.264" v="240" actId="27636"/>
-        <pc:sldMkLst>
-          <pc:docMk/>
-          <pc:sldMk cId="1604900231" sldId="262"/>
-        </pc:sldMkLst>
-        <pc:spChg chg="mod">
-          <ac:chgData name="Tung Kieu" userId="b4b21c43-520c-42f5-a1c6-1446bd617b0e" providerId="ADAL" clId="{8E65E9D7-4E72-47D4-9474-3BDA719DD7A3}" dt="2023-06-03T19:44:13.458" v="217" actId="20577"/>
-          <ac:spMkLst>
-            <pc:docMk/>
-            <pc:sldMk cId="1604900231" sldId="262"/>
-            <ac:spMk id="2" creationId="{4303B44C-E0F0-40BB-A4F9-C03BFC379112}"/>
-          </ac:spMkLst>
-        </pc:spChg>
-        <pc:spChg chg="mod">
-          <ac:chgData name="Tung Kieu" userId="b4b21c43-520c-42f5-a1c6-1446bd617b0e" providerId="ADAL" clId="{8E65E9D7-4E72-47D4-9474-3BDA719DD7A3}" dt="2023-06-03T19:44:58.264" v="240" actId="27636"/>
-          <ac:spMkLst>
-            <pc:docMk/>
-            <pc:sldMk cId="1604900231" sldId="262"/>
-            <ac:spMk id="3" creationId="{13DD6D88-DF1D-4D73-99A3-8E1E66D13487}"/>
-          </ac:spMkLst>
-        </pc:spChg>
-      </pc:sldChg>
-      <pc:sldChg chg="modSp new mod">
-        <pc:chgData name="Tung Kieu" userId="b4b21c43-520c-42f5-a1c6-1446bd617b0e" providerId="ADAL" clId="{8E65E9D7-4E72-47D4-9474-3BDA719DD7A3}" dt="2023-06-03T20:15:43.029" v="275" actId="20577"/>
-        <pc:sldMkLst>
-          <pc:docMk/>
-          <pc:sldMk cId="3597669071" sldId="263"/>
-        </pc:sldMkLst>
-        <pc:spChg chg="mod">
-          <ac:chgData name="Tung Kieu" userId="b4b21c43-520c-42f5-a1c6-1446bd617b0e" providerId="ADAL" clId="{8E65E9D7-4E72-47D4-9474-3BDA719DD7A3}" dt="2023-06-03T20:14:57.161" v="243"/>
-          <ac:spMkLst>
-            <pc:docMk/>
-            <pc:sldMk cId="3597669071" sldId="263"/>
-            <ac:spMk id="2" creationId="{7246DAA8-1D57-4196-98FF-B3E77AD5E9A7}"/>
-          </ac:spMkLst>
-        </pc:spChg>
-        <pc:spChg chg="mod">
-          <ac:chgData name="Tung Kieu" userId="b4b21c43-520c-42f5-a1c6-1446bd617b0e" providerId="ADAL" clId="{8E65E9D7-4E72-47D4-9474-3BDA719DD7A3}" dt="2023-06-03T20:15:43.029" v="275" actId="20577"/>
-          <ac:spMkLst>
-            <pc:docMk/>
-            <pc:sldMk cId="3597669071" sldId="263"/>
-            <ac:spMk id="3" creationId="{6A634F30-A84B-4ECE-9CE1-24C37CF1BDF7}"/>
-          </ac:spMkLst>
-        </pc:spChg>
-      </pc:sldChg>
-      <pc:sldChg chg="modSp new mod">
-        <pc:chgData name="Tung Kieu" userId="b4b21c43-520c-42f5-a1c6-1446bd617b0e" providerId="ADAL" clId="{8E65E9D7-4E72-47D4-9474-3BDA719DD7A3}" dt="2023-06-03T20:16:33.346" v="295" actId="20577"/>
-        <pc:sldMkLst>
-          <pc:docMk/>
-          <pc:sldMk cId="3395180275" sldId="264"/>
-        </pc:sldMkLst>
-        <pc:spChg chg="mod">
-          <ac:chgData name="Tung Kieu" userId="b4b21c43-520c-42f5-a1c6-1446bd617b0e" providerId="ADAL" clId="{8E65E9D7-4E72-47D4-9474-3BDA719DD7A3}" dt="2023-06-03T20:16:18.442" v="284" actId="20577"/>
-          <ac:spMkLst>
-            <pc:docMk/>
-            <pc:sldMk cId="3395180275" sldId="264"/>
-            <ac:spMk id="2" creationId="{64B30664-FA40-4A04-90A4-6B0270BC07E7}"/>
-          </ac:spMkLst>
-        </pc:spChg>
-        <pc:spChg chg="mod">
-          <ac:chgData name="Tung Kieu" userId="b4b21c43-520c-42f5-a1c6-1446bd617b0e" providerId="ADAL" clId="{8E65E9D7-4E72-47D4-9474-3BDA719DD7A3}" dt="2023-06-03T20:16:33.346" v="295" actId="20577"/>
-          <ac:spMkLst>
-            <pc:docMk/>
-            <pc:sldMk cId="3395180275" sldId="264"/>
-            <ac:spMk id="3" creationId="{474F6D48-C380-4491-A06B-C69D23D6C55E}"/>
-          </ac:spMkLst>
-        </pc:spChg>
-      </pc:sldChg>
-      <pc:sldChg chg="modSp new mod">
-        <pc:chgData name="Tung Kieu" userId="b4b21c43-520c-42f5-a1c6-1446bd617b0e" providerId="ADAL" clId="{8E65E9D7-4E72-47D4-9474-3BDA719DD7A3}" dt="2023-06-04T08:39:00.306" v="392" actId="113"/>
-        <pc:sldMkLst>
-          <pc:docMk/>
-          <pc:sldMk cId="2873551422" sldId="265"/>
-        </pc:sldMkLst>
-        <pc:spChg chg="mod">
-          <ac:chgData name="Tung Kieu" userId="b4b21c43-520c-42f5-a1c6-1446bd617b0e" providerId="ADAL" clId="{8E65E9D7-4E72-47D4-9474-3BDA719DD7A3}" dt="2023-06-03T20:18:13.115" v="344" actId="20577"/>
-          <ac:spMkLst>
-            <pc:docMk/>
-            <pc:sldMk cId="2873551422" sldId="265"/>
-            <ac:spMk id="2" creationId="{C6C8C6D0-F918-43CA-B143-E64E8741A6F0}"/>
-          </ac:spMkLst>
-        </pc:spChg>
-        <pc:spChg chg="mod">
-          <ac:chgData name="Tung Kieu" userId="b4b21c43-520c-42f5-a1c6-1446bd617b0e" providerId="ADAL" clId="{8E65E9D7-4E72-47D4-9474-3BDA719DD7A3}" dt="2023-06-04T08:39:00.306" v="392" actId="113"/>
-          <ac:spMkLst>
-            <pc:docMk/>
-            <pc:sldMk cId="2873551422" sldId="265"/>
-            <ac:spMk id="3" creationId="{79D5E226-B45D-436A-9542-C33099353D97}"/>
-          </ac:spMkLst>
-        </pc:spChg>
-      </pc:sldChg>
-      <pc:sldChg chg="new">
-        <pc:chgData name="Tung Kieu" userId="b4b21c43-520c-42f5-a1c6-1446bd617b0e" providerId="ADAL" clId="{8E65E9D7-4E72-47D4-9474-3BDA719DD7A3}" dt="2023-06-04T08:17:08.549" v="345" actId="680"/>
-        <pc:sldMkLst>
-          <pc:docMk/>
-          <pc:sldMk cId="2521854095" sldId="266"/>
-        </pc:sldMkLst>
-      </pc:sldChg>
-      <pc:sldChg chg="modSp add mod">
-        <pc:chgData name="Tung Kieu" userId="b4b21c43-520c-42f5-a1c6-1446bd617b0e" providerId="ADAL" clId="{8E65E9D7-4E72-47D4-9474-3BDA719DD7A3}" dt="2023-06-05T21:00:37.612" v="577" actId="20577"/>
-        <pc:sldMkLst>
-          <pc:docMk/>
-          <pc:sldMk cId="4210336665" sldId="267"/>
-        </pc:sldMkLst>
-        <pc:spChg chg="mod">
-          <ac:chgData name="Tung Kieu" userId="b4b21c43-520c-42f5-a1c6-1446bd617b0e" providerId="ADAL" clId="{8E65E9D7-4E72-47D4-9474-3BDA719DD7A3}" dt="2023-06-05T21:00:37.612" v="577" actId="20577"/>
-          <ac:spMkLst>
-            <pc:docMk/>
-            <pc:sldMk cId="4210336665" sldId="267"/>
-            <ac:spMk id="2" creationId="{7246DAA8-1D57-4196-98FF-B3E77AD5E9A7}"/>
-          </ac:spMkLst>
-        </pc:spChg>
-        <pc:spChg chg="mod">
-          <ac:chgData name="Tung Kieu" userId="b4b21c43-520c-42f5-a1c6-1446bd617b0e" providerId="ADAL" clId="{8E65E9D7-4E72-47D4-9474-3BDA719DD7A3}" dt="2023-06-04T08:36:11.216" v="370" actId="15"/>
-          <ac:spMkLst>
-            <pc:docMk/>
-            <pc:sldMk cId="4210336665" sldId="267"/>
-            <ac:spMk id="3" creationId="{6A634F30-A84B-4ECE-9CE1-24C37CF1BDF7}"/>
-          </ac:spMkLst>
-        </pc:spChg>
-      </pc:sldChg>
-      <pc:sldChg chg="modSp add mod">
-        <pc:chgData name="Tung Kieu" userId="b4b21c43-520c-42f5-a1c6-1446bd617b0e" providerId="ADAL" clId="{8E65E9D7-4E72-47D4-9474-3BDA719DD7A3}" dt="2023-06-05T20:50:20.506" v="441"/>
-        <pc:sldMkLst>
-          <pc:docMk/>
-          <pc:sldMk cId="3277072529" sldId="268"/>
-        </pc:sldMkLst>
-        <pc:spChg chg="mod">
-          <ac:chgData name="Tung Kieu" userId="b4b21c43-520c-42f5-a1c6-1446bd617b0e" providerId="ADAL" clId="{8E65E9D7-4E72-47D4-9474-3BDA719DD7A3}" dt="2023-06-05T20:50:20.506" v="441"/>
-          <ac:spMkLst>
-            <pc:docMk/>
-            <pc:sldMk cId="3277072529" sldId="268"/>
-            <ac:spMk id="2" creationId="{C4A1CB60-5300-4561-AE60-5D424A4F2DE4}"/>
-          </ac:spMkLst>
-        </pc:spChg>
-        <pc:spChg chg="mod">
-          <ac:chgData name="Tung Kieu" userId="b4b21c43-520c-42f5-a1c6-1446bd617b0e" providerId="ADAL" clId="{8E65E9D7-4E72-47D4-9474-3BDA719DD7A3}" dt="2023-06-05T20:50:04.644" v="439" actId="123"/>
-          <ac:spMkLst>
-            <pc:docMk/>
-            <pc:sldMk cId="3277072529" sldId="268"/>
-            <ac:spMk id="3" creationId="{D8B7C2EF-56B3-4C5D-9CB3-DA6BB4AE9DC4}"/>
-          </ac:spMkLst>
-        </pc:spChg>
-      </pc:sldChg>
-      <pc:sldChg chg="modSp add mod">
-        <pc:chgData name="Tung Kieu" userId="b4b21c43-520c-42f5-a1c6-1446bd617b0e" providerId="ADAL" clId="{8E65E9D7-4E72-47D4-9474-3BDA719DD7A3}" dt="2023-06-05T20:52:09.092" v="477"/>
-        <pc:sldMkLst>
-          <pc:docMk/>
-          <pc:sldMk cId="245158164" sldId="269"/>
-        </pc:sldMkLst>
-        <pc:spChg chg="mod">
-          <ac:chgData name="Tung Kieu" userId="b4b21c43-520c-42f5-a1c6-1446bd617b0e" providerId="ADAL" clId="{8E65E9D7-4E72-47D4-9474-3BDA719DD7A3}" dt="2023-06-05T20:52:09.092" v="477"/>
-          <ac:spMkLst>
-            <pc:docMk/>
-            <pc:sldMk cId="245158164" sldId="269"/>
-            <ac:spMk id="2" creationId="{C4A1CB60-5300-4561-AE60-5D424A4F2DE4}"/>
-          </ac:spMkLst>
-        </pc:spChg>
-        <pc:spChg chg="mod">
-          <ac:chgData name="Tung Kieu" userId="b4b21c43-520c-42f5-a1c6-1446bd617b0e" providerId="ADAL" clId="{8E65E9D7-4E72-47D4-9474-3BDA719DD7A3}" dt="2023-06-05T20:51:19.122" v="475" actId="15"/>
-          <ac:spMkLst>
-            <pc:docMk/>
-            <pc:sldMk cId="245158164" sldId="269"/>
-            <ac:spMk id="3" creationId="{D8B7C2EF-56B3-4C5D-9CB3-DA6BB4AE9DC4}"/>
-          </ac:spMkLst>
-        </pc:spChg>
-      </pc:sldChg>
-      <pc:sldChg chg="modSp new mod">
-        <pc:chgData name="Tung Kieu" userId="b4b21c43-520c-42f5-a1c6-1446bd617b0e" providerId="ADAL" clId="{8E65E9D7-4E72-47D4-9474-3BDA719DD7A3}" dt="2023-06-05T20:54:51.774" v="535"/>
-        <pc:sldMkLst>
-          <pc:docMk/>
-          <pc:sldMk cId="44747218" sldId="270"/>
-        </pc:sldMkLst>
-        <pc:spChg chg="mod">
-          <ac:chgData name="Tung Kieu" userId="b4b21c43-520c-42f5-a1c6-1446bd617b0e" providerId="ADAL" clId="{8E65E9D7-4E72-47D4-9474-3BDA719DD7A3}" dt="2023-06-05T20:54:51.774" v="535"/>
-          <ac:spMkLst>
-            <pc:docMk/>
-            <pc:sldMk cId="44747218" sldId="270"/>
-            <ac:spMk id="2" creationId="{821E7A1A-0A7A-4DEF-8DBA-7CDB99093604}"/>
-          </ac:spMkLst>
-        </pc:spChg>
-        <pc:spChg chg="mod">
-          <ac:chgData name="Tung Kieu" userId="b4b21c43-520c-42f5-a1c6-1446bd617b0e" providerId="ADAL" clId="{8E65E9D7-4E72-47D4-9474-3BDA719DD7A3}" dt="2023-06-05T20:52:48.782" v="490" actId="20577"/>
-          <ac:spMkLst>
-            <pc:docMk/>
-            <pc:sldMk cId="44747218" sldId="270"/>
-            <ac:spMk id="3" creationId="{FC0B9166-CE43-4A92-9743-7D7627405411}"/>
-          </ac:spMkLst>
-        </pc:spChg>
-      </pc:sldChg>
-      <pc:sldChg chg="modSp new mod">
-        <pc:chgData name="Tung Kieu" userId="b4b21c43-520c-42f5-a1c6-1446bd617b0e" providerId="ADAL" clId="{8E65E9D7-4E72-47D4-9474-3BDA719DD7A3}" dt="2023-06-05T20:54:33.323" v="533"/>
-        <pc:sldMkLst>
-          <pc:docMk/>
-          <pc:sldMk cId="1549681993" sldId="271"/>
-        </pc:sldMkLst>
-        <pc:spChg chg="mod">
-          <ac:chgData name="Tung Kieu" userId="b4b21c43-520c-42f5-a1c6-1446bd617b0e" providerId="ADAL" clId="{8E65E9D7-4E72-47D4-9474-3BDA719DD7A3}" dt="2023-06-05T20:54:33.323" v="533"/>
-          <ac:spMkLst>
-            <pc:docMk/>
-            <pc:sldMk cId="1549681993" sldId="271"/>
-            <ac:spMk id="2" creationId="{39749F93-D3DC-4149-9475-215D627B3A7D}"/>
-          </ac:spMkLst>
-        </pc:spChg>
-        <pc:spChg chg="mod">
-          <ac:chgData name="Tung Kieu" userId="b4b21c43-520c-42f5-a1c6-1446bd617b0e" providerId="ADAL" clId="{8E65E9D7-4E72-47D4-9474-3BDA719DD7A3}" dt="2023-06-05T20:54:23.415" v="530" actId="20577"/>
-          <ac:spMkLst>
-            <pc:docMk/>
-            <pc:sldMk cId="1549681993" sldId="271"/>
-            <ac:spMk id="3" creationId="{8C2EBDF8-0ACA-4D2D-ACF0-3BFCF215E286}"/>
-          </ac:spMkLst>
-        </pc:spChg>
-      </pc:sldChg>
-      <pc:sldChg chg="addSp delSp modSp new mod">
-        <pc:chgData name="Tung Kieu" userId="b4b21c43-520c-42f5-a1c6-1446bd617b0e" providerId="ADAL" clId="{8E65E9D7-4E72-47D4-9474-3BDA719DD7A3}" dt="2023-06-05T20:55:41.289" v="539"/>
-        <pc:sldMkLst>
-          <pc:docMk/>
-          <pc:sldMk cId="734831575" sldId="272"/>
-        </pc:sldMkLst>
-        <pc:spChg chg="mod">
-          <ac:chgData name="Tung Kieu" userId="b4b21c43-520c-42f5-a1c6-1446bd617b0e" providerId="ADAL" clId="{8E65E9D7-4E72-47D4-9474-3BDA719DD7A3}" dt="2023-06-05T20:55:41.289" v="539"/>
-          <ac:spMkLst>
-            <pc:docMk/>
-            <pc:sldMk cId="734831575" sldId="272"/>
-            <ac:spMk id="2" creationId="{2ED4F7D2-DA53-455F-B91C-D137A99D098B}"/>
-          </ac:spMkLst>
-        </pc:spChg>
-        <pc:spChg chg="del">
-          <ac:chgData name="Tung Kieu" userId="b4b21c43-520c-42f5-a1c6-1446bd617b0e" providerId="ADAL" clId="{8E65E9D7-4E72-47D4-9474-3BDA719DD7A3}" dt="2023-06-05T20:55:34.998" v="537"/>
-          <ac:spMkLst>
-            <pc:docMk/>
-            <pc:sldMk cId="734831575" sldId="272"/>
-            <ac:spMk id="3" creationId="{83101208-27CE-4040-9D38-8BC2158D847C}"/>
-          </ac:spMkLst>
-        </pc:spChg>
-        <pc:picChg chg="add mod">
-          <ac:chgData name="Tung Kieu" userId="b4b21c43-520c-42f5-a1c6-1446bd617b0e" providerId="ADAL" clId="{8E65E9D7-4E72-47D4-9474-3BDA719DD7A3}" dt="2023-06-05T20:55:34.998" v="537"/>
-          <ac:picMkLst>
-            <pc:docMk/>
-            <pc:sldMk cId="734831575" sldId="272"/>
-            <ac:picMk id="4" creationId="{52E53DCC-FCDC-43E2-8E3A-FD1E403C2B95}"/>
-          </ac:picMkLst>
-        </pc:picChg>
-      </pc:sldChg>
-      <pc:sldChg chg="modSp new mod">
-        <pc:chgData name="Tung Kieu" userId="b4b21c43-520c-42f5-a1c6-1446bd617b0e" providerId="ADAL" clId="{8E65E9D7-4E72-47D4-9474-3BDA719DD7A3}" dt="2023-06-05T20:56:23.572" v="564" actId="123"/>
-        <pc:sldMkLst>
-          <pc:docMk/>
-          <pc:sldMk cId="3318823626" sldId="273"/>
-        </pc:sldMkLst>
-        <pc:spChg chg="mod">
-          <ac:chgData name="Tung Kieu" userId="b4b21c43-520c-42f5-a1c6-1446bd617b0e" providerId="ADAL" clId="{8E65E9D7-4E72-47D4-9474-3BDA719DD7A3}" dt="2023-06-05T20:56:00.670" v="545"/>
-          <ac:spMkLst>
-            <pc:docMk/>
-            <pc:sldMk cId="3318823626" sldId="273"/>
-            <ac:spMk id="2" creationId="{E61EE4FC-C902-4342-AB6E-780D7C525AC5}"/>
-          </ac:spMkLst>
-        </pc:spChg>
-        <pc:spChg chg="mod">
-          <ac:chgData name="Tung Kieu" userId="b4b21c43-520c-42f5-a1c6-1446bd617b0e" providerId="ADAL" clId="{8E65E9D7-4E72-47D4-9474-3BDA719DD7A3}" dt="2023-06-05T20:56:23.572" v="564" actId="123"/>
-          <ac:spMkLst>
-            <pc:docMk/>
-            <pc:sldMk cId="3318823626" sldId="273"/>
-            <ac:spMk id="3" creationId="{426128C2-BF8C-43BD-B8BE-2373A3BBBBF6}"/>
-          </ac:spMkLst>
-        </pc:spChg>
-      </pc:sldChg>
-      <pc:sldChg chg="addSp delSp modSp new mod">
-        <pc:chgData name="Tung Kieu" userId="b4b21c43-520c-42f5-a1c6-1446bd617b0e" providerId="ADAL" clId="{8E65E9D7-4E72-47D4-9474-3BDA719DD7A3}" dt="2023-06-05T20:58:03.406" v="568"/>
-        <pc:sldMkLst>
-          <pc:docMk/>
-          <pc:sldMk cId="1989459519" sldId="274"/>
-        </pc:sldMkLst>
-        <pc:spChg chg="mod">
-          <ac:chgData name="Tung Kieu" userId="b4b21c43-520c-42f5-a1c6-1446bd617b0e" providerId="ADAL" clId="{8E65E9D7-4E72-47D4-9474-3BDA719DD7A3}" dt="2023-06-05T20:58:03.406" v="568"/>
-          <ac:spMkLst>
-            <pc:docMk/>
-            <pc:sldMk cId="1989459519" sldId="274"/>
-            <ac:spMk id="2" creationId="{631BBD47-0F31-4BA5-8789-D17DF2E44BC6}"/>
-          </ac:spMkLst>
-        </pc:spChg>
-        <pc:spChg chg="del">
-          <ac:chgData name="Tung Kieu" userId="b4b21c43-520c-42f5-a1c6-1446bd617b0e" providerId="ADAL" clId="{8E65E9D7-4E72-47D4-9474-3BDA719DD7A3}" dt="2023-06-05T20:57:51.751" v="566"/>
-          <ac:spMkLst>
-            <pc:docMk/>
-            <pc:sldMk cId="1989459519" sldId="274"/>
-            <ac:spMk id="3" creationId="{6FEA1096-827C-4641-B3B1-A5CF13C23E9D}"/>
-          </ac:spMkLst>
-        </pc:spChg>
-        <pc:picChg chg="add mod">
-          <ac:chgData name="Tung Kieu" userId="b4b21c43-520c-42f5-a1c6-1446bd617b0e" providerId="ADAL" clId="{8E65E9D7-4E72-47D4-9474-3BDA719DD7A3}" dt="2023-06-05T20:57:51.751" v="566"/>
-          <ac:picMkLst>
-            <pc:docMk/>
-            <pc:sldMk cId="1989459519" sldId="274"/>
-            <ac:picMk id="4" creationId="{AEE15240-616E-48C2-97FB-0A6A473E1EB6}"/>
-          </ac:picMkLst>
-        </pc:picChg>
-      </pc:sldChg>
-      <pc:sldChg chg="modSp new mod">
-        <pc:chgData name="Tung Kieu" userId="b4b21c43-520c-42f5-a1c6-1446bd617b0e" providerId="ADAL" clId="{8E65E9D7-4E72-47D4-9474-3BDA719DD7A3}" dt="2023-06-05T21:01:43.602" v="622" actId="20577"/>
-        <pc:sldMkLst>
-          <pc:docMk/>
-          <pc:sldMk cId="3029017302" sldId="275"/>
-        </pc:sldMkLst>
-        <pc:spChg chg="mod">
-          <ac:chgData name="Tung Kieu" userId="b4b21c43-520c-42f5-a1c6-1446bd617b0e" providerId="ADAL" clId="{8E65E9D7-4E72-47D4-9474-3BDA719DD7A3}" dt="2023-06-05T21:01:17.776" v="600" actId="20577"/>
-          <ac:spMkLst>
-            <pc:docMk/>
-            <pc:sldMk cId="3029017302" sldId="275"/>
-            <ac:spMk id="2" creationId="{2356B63A-E74D-472B-8A00-AF09DE4AAD59}"/>
-          </ac:spMkLst>
-        </pc:spChg>
-        <pc:spChg chg="mod">
-          <ac:chgData name="Tung Kieu" userId="b4b21c43-520c-42f5-a1c6-1446bd617b0e" providerId="ADAL" clId="{8E65E9D7-4E72-47D4-9474-3BDA719DD7A3}" dt="2023-06-05T21:01:43.602" v="622" actId="20577"/>
-          <ac:spMkLst>
-            <pc:docMk/>
-            <pc:sldMk cId="3029017302" sldId="275"/>
-            <ac:spMk id="3" creationId="{CB63BCB4-E0CE-4022-B747-8D08B7622B2B}"/>
-          </ac:spMkLst>
-        </pc:spChg>
-      </pc:sldChg>
-      <pc:sldChg chg="modSp new mod">
-        <pc:chgData name="Tung Kieu" userId="b4b21c43-520c-42f5-a1c6-1446bd617b0e" providerId="ADAL" clId="{8E65E9D7-4E72-47D4-9474-3BDA719DD7A3}" dt="2023-06-05T21:03:16.468" v="649" actId="20577"/>
-        <pc:sldMkLst>
-          <pc:docMk/>
-          <pc:sldMk cId="3516089514" sldId="276"/>
-        </pc:sldMkLst>
-        <pc:spChg chg="mod">
-          <ac:chgData name="Tung Kieu" userId="b4b21c43-520c-42f5-a1c6-1446bd617b0e" providerId="ADAL" clId="{8E65E9D7-4E72-47D4-9474-3BDA719DD7A3}" dt="2023-06-05T21:03:16.468" v="649" actId="20577"/>
-          <ac:spMkLst>
-            <pc:docMk/>
-            <pc:sldMk cId="3516089514" sldId="276"/>
-            <ac:spMk id="2" creationId="{12B47EB1-9468-4C0B-AF87-D41BD8910C8A}"/>
-          </ac:spMkLst>
-        </pc:spChg>
-        <pc:spChg chg="mod">
-          <ac:chgData name="Tung Kieu" userId="b4b21c43-520c-42f5-a1c6-1446bd617b0e" providerId="ADAL" clId="{8E65E9D7-4E72-47D4-9474-3BDA719DD7A3}" dt="2023-06-05T21:03:06.324" v="644" actId="20577"/>
-          <ac:spMkLst>
-            <pc:docMk/>
-            <pc:sldMk cId="3516089514" sldId="276"/>
-            <ac:spMk id="3" creationId="{10DB9598-47C3-4BA3-B287-11D73F3D1E37}"/>
-          </ac:spMkLst>
-        </pc:spChg>
-      </pc:sldChg>
-      <pc:sldChg chg="modSp new mod">
-        <pc:chgData name="Tung Kieu" userId="b4b21c43-520c-42f5-a1c6-1446bd617b0e" providerId="ADAL" clId="{8E65E9D7-4E72-47D4-9474-3BDA719DD7A3}" dt="2023-06-05T21:04:56.207" v="687" actId="20577"/>
-        <pc:sldMkLst>
-          <pc:docMk/>
-          <pc:sldMk cId="4097669079" sldId="277"/>
-        </pc:sldMkLst>
-        <pc:spChg chg="mod">
-          <ac:chgData name="Tung Kieu" userId="b4b21c43-520c-42f5-a1c6-1446bd617b0e" providerId="ADAL" clId="{8E65E9D7-4E72-47D4-9474-3BDA719DD7A3}" dt="2023-06-05T21:04:56.207" v="687" actId="20577"/>
-          <ac:spMkLst>
-            <pc:docMk/>
-            <pc:sldMk cId="4097669079" sldId="277"/>
-            <ac:spMk id="2" creationId="{FBD55B56-DD22-4FBA-B1B5-7501675BFEC3}"/>
-          </ac:spMkLst>
-        </pc:spChg>
-        <pc:spChg chg="mod">
-          <ac:chgData name="Tung Kieu" userId="b4b21c43-520c-42f5-a1c6-1446bd617b0e" providerId="ADAL" clId="{8E65E9D7-4E72-47D4-9474-3BDA719DD7A3}" dt="2023-06-05T21:04:33.008" v="682" actId="15"/>
-          <ac:spMkLst>
-            <pc:docMk/>
-            <pc:sldMk cId="4097669079" sldId="277"/>
-            <ac:spMk id="3" creationId="{1AF9C1F6-FB49-4AF2-B40E-AABA4D0B6A6E}"/>
-          </ac:spMkLst>
-        </pc:spChg>
-      </pc:sldChg>
-      <pc:sldChg chg="modSp new mod">
-        <pc:chgData name="Tung Kieu" userId="b4b21c43-520c-42f5-a1c6-1446bd617b0e" providerId="ADAL" clId="{8E65E9D7-4E72-47D4-9474-3BDA719DD7A3}" dt="2023-06-05T21:16:47.625" v="878" actId="20577"/>
-        <pc:sldMkLst>
-          <pc:docMk/>
-          <pc:sldMk cId="137318163" sldId="278"/>
-        </pc:sldMkLst>
-        <pc:spChg chg="mod">
-          <ac:chgData name="Tung Kieu" userId="b4b21c43-520c-42f5-a1c6-1446bd617b0e" providerId="ADAL" clId="{8E65E9D7-4E72-47D4-9474-3BDA719DD7A3}" dt="2023-06-05T21:06:41.020" v="714"/>
-          <ac:spMkLst>
-            <pc:docMk/>
-            <pc:sldMk cId="137318163" sldId="278"/>
-            <ac:spMk id="2" creationId="{A161AB2A-57BF-44A3-BB43-3D9B85578A02}"/>
-          </ac:spMkLst>
-        </pc:spChg>
-        <pc:spChg chg="mod">
-          <ac:chgData name="Tung Kieu" userId="b4b21c43-520c-42f5-a1c6-1446bd617b0e" providerId="ADAL" clId="{8E65E9D7-4E72-47D4-9474-3BDA719DD7A3}" dt="2023-06-05T21:16:47.625" v="878" actId="20577"/>
-          <ac:spMkLst>
-            <pc:docMk/>
-            <pc:sldMk cId="137318163" sldId="278"/>
-            <ac:spMk id="3" creationId="{9F666CD1-6B5D-467A-8344-33A81C2655A4}"/>
-          </ac:spMkLst>
-        </pc:spChg>
-      </pc:sldChg>
-      <pc:sldChg chg="modSp add mod">
-        <pc:chgData name="Tung Kieu" userId="b4b21c43-520c-42f5-a1c6-1446bd617b0e" providerId="ADAL" clId="{8E65E9D7-4E72-47D4-9474-3BDA719DD7A3}" dt="2023-06-05T21:07:11.530" v="733" actId="114"/>
-        <pc:sldMkLst>
-          <pc:docMk/>
-          <pc:sldMk cId="1614180452" sldId="279"/>
-        </pc:sldMkLst>
-        <pc:spChg chg="mod">
-          <ac:chgData name="Tung Kieu" userId="b4b21c43-520c-42f5-a1c6-1446bd617b0e" providerId="ADAL" clId="{8E65E9D7-4E72-47D4-9474-3BDA719DD7A3}" dt="2023-06-05T21:07:11.530" v="733" actId="114"/>
-          <ac:spMkLst>
-            <pc:docMk/>
-            <pc:sldMk cId="1614180452" sldId="279"/>
-            <ac:spMk id="3" creationId="{9F666CD1-6B5D-467A-8344-33A81C2655A4}"/>
-          </ac:spMkLst>
-        </pc:spChg>
-      </pc:sldChg>
-      <pc:sldChg chg="modSp new mod">
-        <pc:chgData name="Tung Kieu" userId="b4b21c43-520c-42f5-a1c6-1446bd617b0e" providerId="ADAL" clId="{8E65E9D7-4E72-47D4-9474-3BDA719DD7A3}" dt="2023-06-05T21:08:03.516" v="753" actId="20577"/>
-        <pc:sldMkLst>
-          <pc:docMk/>
-          <pc:sldMk cId="3472353285" sldId="280"/>
-        </pc:sldMkLst>
-        <pc:spChg chg="mod">
-          <ac:chgData name="Tung Kieu" userId="b4b21c43-520c-42f5-a1c6-1446bd617b0e" providerId="ADAL" clId="{8E65E9D7-4E72-47D4-9474-3BDA719DD7A3}" dt="2023-06-05T21:07:44.419" v="739" actId="20577"/>
-          <ac:spMkLst>
-            <pc:docMk/>
-            <pc:sldMk cId="3472353285" sldId="280"/>
-            <ac:spMk id="2" creationId="{77011627-1933-4BBC-8D92-EAFDCAD403D0}"/>
-          </ac:spMkLst>
-        </pc:spChg>
-        <pc:spChg chg="mod">
-          <ac:chgData name="Tung Kieu" userId="b4b21c43-520c-42f5-a1c6-1446bd617b0e" providerId="ADAL" clId="{8E65E9D7-4E72-47D4-9474-3BDA719DD7A3}" dt="2023-06-05T21:08:03.516" v="753" actId="20577"/>
-          <ac:spMkLst>
-            <pc:docMk/>
-            <pc:sldMk cId="3472353285" sldId="280"/>
-            <ac:spMk id="3" creationId="{9499CD14-D2A7-43CA-AD11-F8F5566D326D}"/>
-          </ac:spMkLst>
-        </pc:spChg>
-      </pc:sldChg>
-      <pc:sldChg chg="modSp new del mod">
-        <pc:chgData name="Tung Kieu" userId="b4b21c43-520c-42f5-a1c6-1446bd617b0e" providerId="ADAL" clId="{8E65E9D7-4E72-47D4-9474-3BDA719DD7A3}" dt="2023-06-05T21:37:17.483" v="1154" actId="47"/>
-        <pc:sldMkLst>
-          <pc:docMk/>
-          <pc:sldMk cId="2797282746" sldId="281"/>
-        </pc:sldMkLst>
-        <pc:spChg chg="mod">
-          <ac:chgData name="Tung Kieu" userId="b4b21c43-520c-42f5-a1c6-1446bd617b0e" providerId="ADAL" clId="{8E65E9D7-4E72-47D4-9474-3BDA719DD7A3}" dt="2023-06-05T21:09:14.148" v="770"/>
-          <ac:spMkLst>
-            <pc:docMk/>
-            <pc:sldMk cId="2797282746" sldId="281"/>
-            <ac:spMk id="2" creationId="{F9828134-30DF-4124-A3CB-3EEB077F2393}"/>
-          </ac:spMkLst>
-        </pc:spChg>
-        <pc:spChg chg="mod">
-          <ac:chgData name="Tung Kieu" userId="b4b21c43-520c-42f5-a1c6-1446bd617b0e" providerId="ADAL" clId="{8E65E9D7-4E72-47D4-9474-3BDA719DD7A3}" dt="2023-06-05T21:08:56.694" v="768" actId="20577"/>
-          <ac:spMkLst>
-            <pc:docMk/>
-            <pc:sldMk cId="2797282746" sldId="281"/>
-            <ac:spMk id="3" creationId="{D0C78D7B-1F2C-466D-A618-BA3B00EF3012}"/>
-          </ac:spMkLst>
-        </pc:spChg>
-      </pc:sldChg>
-      <pc:sldChg chg="modSp new mod">
-        <pc:chgData name="Tung Kieu" userId="b4b21c43-520c-42f5-a1c6-1446bd617b0e" providerId="ADAL" clId="{8E65E9D7-4E72-47D4-9474-3BDA719DD7A3}" dt="2023-06-05T21:11:17.145" v="795"/>
-        <pc:sldMkLst>
-          <pc:docMk/>
-          <pc:sldMk cId="3779671662" sldId="282"/>
-        </pc:sldMkLst>
-        <pc:spChg chg="mod">
-          <ac:chgData name="Tung Kieu" userId="b4b21c43-520c-42f5-a1c6-1446bd617b0e" providerId="ADAL" clId="{8E65E9D7-4E72-47D4-9474-3BDA719DD7A3}" dt="2023-06-05T21:11:17.145" v="795"/>
-          <ac:spMkLst>
-            <pc:docMk/>
-            <pc:sldMk cId="3779671662" sldId="282"/>
-            <ac:spMk id="2" creationId="{9D7DE7BF-1532-46FA-8096-7BC8F61445F1}"/>
-          </ac:spMkLst>
-        </pc:spChg>
-        <pc:spChg chg="mod">
-          <ac:chgData name="Tung Kieu" userId="b4b21c43-520c-42f5-a1c6-1446bd617b0e" providerId="ADAL" clId="{8E65E9D7-4E72-47D4-9474-3BDA719DD7A3}" dt="2023-06-05T21:11:10.336" v="793" actId="20577"/>
-          <ac:spMkLst>
-            <pc:docMk/>
-            <pc:sldMk cId="3779671662" sldId="282"/>
-            <ac:spMk id="3" creationId="{88AAEA1D-426A-4FC3-A821-F64286C8BC15}"/>
-          </ac:spMkLst>
-        </pc:spChg>
-      </pc:sldChg>
-      <pc:sldChg chg="modSp new mod">
-        <pc:chgData name="Tung Kieu" userId="b4b21c43-520c-42f5-a1c6-1446bd617b0e" providerId="ADAL" clId="{8E65E9D7-4E72-47D4-9474-3BDA719DD7A3}" dt="2023-06-05T21:12:20.318" v="814"/>
-        <pc:sldMkLst>
-          <pc:docMk/>
-          <pc:sldMk cId="182466909" sldId="283"/>
-        </pc:sldMkLst>
-        <pc:spChg chg="mod">
-          <ac:chgData name="Tung Kieu" userId="b4b21c43-520c-42f5-a1c6-1446bd617b0e" providerId="ADAL" clId="{8E65E9D7-4E72-47D4-9474-3BDA719DD7A3}" dt="2023-06-05T21:12:20.318" v="814"/>
-          <ac:spMkLst>
-            <pc:docMk/>
-            <pc:sldMk cId="182466909" sldId="283"/>
-            <ac:spMk id="2" creationId="{D2B30F09-4A9D-479D-9EBB-A63DFFC487ED}"/>
-          </ac:spMkLst>
-        </pc:spChg>
-        <pc:spChg chg="mod">
-          <ac:chgData name="Tung Kieu" userId="b4b21c43-520c-42f5-a1c6-1446bd617b0e" providerId="ADAL" clId="{8E65E9D7-4E72-47D4-9474-3BDA719DD7A3}" dt="2023-06-05T21:12:12.998" v="812" actId="15"/>
-          <ac:spMkLst>
-            <pc:docMk/>
-            <pc:sldMk cId="182466909" sldId="283"/>
-            <ac:spMk id="3" creationId="{1B7FC786-90FD-4839-983D-FECE85FFED3C}"/>
-          </ac:spMkLst>
-        </pc:spChg>
-      </pc:sldChg>
-      <pc:sldChg chg="modSp add mod">
-        <pc:chgData name="Tung Kieu" userId="b4b21c43-520c-42f5-a1c6-1446bd617b0e" providerId="ADAL" clId="{8E65E9D7-4E72-47D4-9474-3BDA719DD7A3}" dt="2023-06-05T21:13:46.536" v="830" actId="6549"/>
-        <pc:sldMkLst>
-          <pc:docMk/>
-          <pc:sldMk cId="2738404981" sldId="284"/>
-        </pc:sldMkLst>
-        <pc:spChg chg="mod">
-          <ac:chgData name="Tung Kieu" userId="b4b21c43-520c-42f5-a1c6-1446bd617b0e" providerId="ADAL" clId="{8E65E9D7-4E72-47D4-9474-3BDA719DD7A3}" dt="2023-06-05T21:13:46.536" v="830" actId="6549"/>
-          <ac:spMkLst>
-            <pc:docMk/>
-            <pc:sldMk cId="2738404981" sldId="284"/>
-            <ac:spMk id="3" creationId="{1B7FC786-90FD-4839-983D-FECE85FFED3C}"/>
-          </ac:spMkLst>
-        </pc:spChg>
-      </pc:sldChg>
-      <pc:sldChg chg="modSp new mod">
-        <pc:chgData name="Tung Kieu" userId="b4b21c43-520c-42f5-a1c6-1446bd617b0e" providerId="ADAL" clId="{8E65E9D7-4E72-47D4-9474-3BDA719DD7A3}" dt="2023-06-05T21:15:22.619" v="849" actId="15"/>
-        <pc:sldMkLst>
-          <pc:docMk/>
-          <pc:sldMk cId="713782404" sldId="285"/>
-        </pc:sldMkLst>
-        <pc:spChg chg="mod">
-          <ac:chgData name="Tung Kieu" userId="b4b21c43-520c-42f5-a1c6-1446bd617b0e" providerId="ADAL" clId="{8E65E9D7-4E72-47D4-9474-3BDA719DD7A3}" dt="2023-06-05T21:15:05.721" v="833"/>
-          <ac:spMkLst>
-            <pc:docMk/>
-            <pc:sldMk cId="713782404" sldId="285"/>
-            <ac:spMk id="2" creationId="{AA7A8828-ADBB-489C-98F5-B8B326CF54CA}"/>
-          </ac:spMkLst>
-        </pc:spChg>
-        <pc:spChg chg="mod">
-          <ac:chgData name="Tung Kieu" userId="b4b21c43-520c-42f5-a1c6-1446bd617b0e" providerId="ADAL" clId="{8E65E9D7-4E72-47D4-9474-3BDA719DD7A3}" dt="2023-06-05T21:15:22.619" v="849" actId="15"/>
-          <ac:spMkLst>
-            <pc:docMk/>
-            <pc:sldMk cId="713782404" sldId="285"/>
-            <ac:spMk id="3" creationId="{58677310-4C1E-4427-A572-BAA2A5FB25AE}"/>
-          </ac:spMkLst>
-        </pc:spChg>
-      </pc:sldChg>
-      <pc:sldChg chg="modSp add mod">
-        <pc:chgData name="Tung Kieu" userId="b4b21c43-520c-42f5-a1c6-1446bd617b0e" providerId="ADAL" clId="{8E65E9D7-4E72-47D4-9474-3BDA719DD7A3}" dt="2023-06-05T21:16:25.714" v="876" actId="15"/>
-        <pc:sldMkLst>
-          <pc:docMk/>
-          <pc:sldMk cId="2220416205" sldId="286"/>
-        </pc:sldMkLst>
-        <pc:spChg chg="mod">
-          <ac:chgData name="Tung Kieu" userId="b4b21c43-520c-42f5-a1c6-1446bd617b0e" providerId="ADAL" clId="{8E65E9D7-4E72-47D4-9474-3BDA719DD7A3}" dt="2023-06-05T21:16:25.714" v="876" actId="15"/>
-          <ac:spMkLst>
-            <pc:docMk/>
-            <pc:sldMk cId="2220416205" sldId="286"/>
-            <ac:spMk id="3" creationId="{58677310-4C1E-4427-A572-BAA2A5FB25AE}"/>
-          </ac:spMkLst>
-        </pc:spChg>
-      </pc:sldChg>
-      <pc:sldChg chg="modSp new mod">
-        <pc:chgData name="Tung Kieu" userId="b4b21c43-520c-42f5-a1c6-1446bd617b0e" providerId="ADAL" clId="{8E65E9D7-4E72-47D4-9474-3BDA719DD7A3}" dt="2023-06-05T21:19:34.969" v="911" actId="27636"/>
-        <pc:sldMkLst>
-          <pc:docMk/>
-          <pc:sldMk cId="2812417156" sldId="287"/>
-        </pc:sldMkLst>
-        <pc:spChg chg="mod">
-          <ac:chgData name="Tung Kieu" userId="b4b21c43-520c-42f5-a1c6-1446bd617b0e" providerId="ADAL" clId="{8E65E9D7-4E72-47D4-9474-3BDA719DD7A3}" dt="2023-06-05T21:18:54.593" v="881"/>
-          <ac:spMkLst>
-            <pc:docMk/>
-            <pc:sldMk cId="2812417156" sldId="287"/>
-            <ac:spMk id="2" creationId="{3BF1D882-2E48-49E0-9C92-F369234CB5BA}"/>
-          </ac:spMkLst>
-        </pc:spChg>
-        <pc:spChg chg="mod">
-          <ac:chgData name="Tung Kieu" userId="b4b21c43-520c-42f5-a1c6-1446bd617b0e" providerId="ADAL" clId="{8E65E9D7-4E72-47D4-9474-3BDA719DD7A3}" dt="2023-06-05T21:19:34.969" v="911" actId="27636"/>
-          <ac:spMkLst>
-            <pc:docMk/>
-            <pc:sldMk cId="2812417156" sldId="287"/>
-            <ac:spMk id="3" creationId="{D31183A3-5E22-4107-8277-90F07090EDB0}"/>
-          </ac:spMkLst>
-        </pc:spChg>
-      </pc:sldChg>
-      <pc:sldChg chg="modSp new mod">
-        <pc:chgData name="Tung Kieu" userId="b4b21c43-520c-42f5-a1c6-1446bd617b0e" providerId="ADAL" clId="{8E65E9D7-4E72-47D4-9474-3BDA719DD7A3}" dt="2023-06-05T21:20:58.264" v="948" actId="27636"/>
-        <pc:sldMkLst>
-          <pc:docMk/>
-          <pc:sldMk cId="2495756307" sldId="288"/>
-        </pc:sldMkLst>
-        <pc:spChg chg="mod">
-          <ac:chgData name="Tung Kieu" userId="b4b21c43-520c-42f5-a1c6-1446bd617b0e" providerId="ADAL" clId="{8E65E9D7-4E72-47D4-9474-3BDA719DD7A3}" dt="2023-06-05T21:19:49.549" v="914"/>
-          <ac:spMkLst>
-            <pc:docMk/>
-            <pc:sldMk cId="2495756307" sldId="288"/>
-            <ac:spMk id="2" creationId="{E70CF78A-DD2B-4A3B-8915-621262C49D78}"/>
-          </ac:spMkLst>
-        </pc:spChg>
-        <pc:spChg chg="mod">
-          <ac:chgData name="Tung Kieu" userId="b4b21c43-520c-42f5-a1c6-1446bd617b0e" providerId="ADAL" clId="{8E65E9D7-4E72-47D4-9474-3BDA719DD7A3}" dt="2023-06-05T21:20:58.264" v="948" actId="27636"/>
-          <ac:spMkLst>
-            <pc:docMk/>
-            <pc:sldMk cId="2495756307" sldId="288"/>
-            <ac:spMk id="3" creationId="{E5E370A6-4E36-4E22-951E-79A305C4980F}"/>
-          </ac:spMkLst>
-        </pc:spChg>
-      </pc:sldChg>
-      <pc:sldChg chg="modSp add mod">
-        <pc:chgData name="Tung Kieu" userId="b4b21c43-520c-42f5-a1c6-1446bd617b0e" providerId="ADAL" clId="{8E65E9D7-4E72-47D4-9474-3BDA719DD7A3}" dt="2023-06-05T21:21:05.036" v="951"/>
-        <pc:sldMkLst>
-          <pc:docMk/>
-          <pc:sldMk cId="3944126863" sldId="289"/>
-        </pc:sldMkLst>
-        <pc:spChg chg="mod">
-          <ac:chgData name="Tung Kieu" userId="b4b21c43-520c-42f5-a1c6-1446bd617b0e" providerId="ADAL" clId="{8E65E9D7-4E72-47D4-9474-3BDA719DD7A3}" dt="2023-06-05T21:21:05.036" v="951"/>
-          <ac:spMkLst>
-            <pc:docMk/>
-            <pc:sldMk cId="3944126863" sldId="289"/>
-            <ac:spMk id="3" creationId="{E5E370A6-4E36-4E22-951E-79A305C4980F}"/>
-          </ac:spMkLst>
-        </pc:spChg>
-      </pc:sldChg>
-      <pc:sldChg chg="modSp new mod">
-        <pc:chgData name="Tung Kieu" userId="b4b21c43-520c-42f5-a1c6-1446bd617b0e" providerId="ADAL" clId="{8E65E9D7-4E72-47D4-9474-3BDA719DD7A3}" dt="2023-06-05T21:22:20.795" v="988" actId="27636"/>
-        <pc:sldMkLst>
-          <pc:docMk/>
-          <pc:sldMk cId="673781499" sldId="290"/>
-        </pc:sldMkLst>
-        <pc:spChg chg="mod">
-          <ac:chgData name="Tung Kieu" userId="b4b21c43-520c-42f5-a1c6-1446bd617b0e" providerId="ADAL" clId="{8E65E9D7-4E72-47D4-9474-3BDA719DD7A3}" dt="2023-06-05T21:21:30.030" v="954"/>
-          <ac:spMkLst>
-            <pc:docMk/>
-            <pc:sldMk cId="673781499" sldId="290"/>
-            <ac:spMk id="2" creationId="{62981BBE-358F-476B-A430-D3041AD6A4A5}"/>
-          </ac:spMkLst>
-        </pc:spChg>
-        <pc:spChg chg="mod">
-          <ac:chgData name="Tung Kieu" userId="b4b21c43-520c-42f5-a1c6-1446bd617b0e" providerId="ADAL" clId="{8E65E9D7-4E72-47D4-9474-3BDA719DD7A3}" dt="2023-06-05T21:22:20.795" v="988" actId="27636"/>
-          <ac:spMkLst>
-            <pc:docMk/>
-            <pc:sldMk cId="673781499" sldId="290"/>
-            <ac:spMk id="3" creationId="{CC46DE72-E758-42CA-B83C-EAE7DEBA8F73}"/>
-          </ac:spMkLst>
-        </pc:spChg>
-      </pc:sldChg>
-      <pc:sldChg chg="modSp add mod">
-        <pc:chgData name="Tung Kieu" userId="b4b21c43-520c-42f5-a1c6-1446bd617b0e" providerId="ADAL" clId="{8E65E9D7-4E72-47D4-9474-3BDA719DD7A3}" dt="2023-06-05T21:23:46.545" v="1013" actId="6549"/>
-        <pc:sldMkLst>
-          <pc:docMk/>
-          <pc:sldMk cId="2195717334" sldId="291"/>
-        </pc:sldMkLst>
-        <pc:spChg chg="mod">
-          <ac:chgData name="Tung Kieu" userId="b4b21c43-520c-42f5-a1c6-1446bd617b0e" providerId="ADAL" clId="{8E65E9D7-4E72-47D4-9474-3BDA719DD7A3}" dt="2023-06-05T21:23:07.520" v="991"/>
-          <ac:spMkLst>
-            <pc:docMk/>
-            <pc:sldMk cId="2195717334" sldId="291"/>
-            <ac:spMk id="2" creationId="{62981BBE-358F-476B-A430-D3041AD6A4A5}"/>
-          </ac:spMkLst>
-        </pc:spChg>
-        <pc:spChg chg="mod">
-          <ac:chgData name="Tung Kieu" userId="b4b21c43-520c-42f5-a1c6-1446bd617b0e" providerId="ADAL" clId="{8E65E9D7-4E72-47D4-9474-3BDA719DD7A3}" dt="2023-06-05T21:23:46.545" v="1013" actId="6549"/>
-          <ac:spMkLst>
-            <pc:docMk/>
-            <pc:sldMk cId="2195717334" sldId="291"/>
-            <ac:spMk id="3" creationId="{CC46DE72-E758-42CA-B83C-EAE7DEBA8F73}"/>
-          </ac:spMkLst>
-        </pc:spChg>
-      </pc:sldChg>
-      <pc:sldChg chg="modSp new del mod">
-        <pc:chgData name="Tung Kieu" userId="b4b21c43-520c-42f5-a1c6-1446bd617b0e" providerId="ADAL" clId="{8E65E9D7-4E72-47D4-9474-3BDA719DD7A3}" dt="2023-06-05T21:24:51.482" v="1020" actId="2696"/>
-        <pc:sldMkLst>
-          <pc:docMk/>
-          <pc:sldMk cId="2566542504" sldId="292"/>
-        </pc:sldMkLst>
-        <pc:spChg chg="mod">
-          <ac:chgData name="Tung Kieu" userId="b4b21c43-520c-42f5-a1c6-1446bd617b0e" providerId="ADAL" clId="{8E65E9D7-4E72-47D4-9474-3BDA719DD7A3}" dt="2023-06-05T21:24:42.002" v="1019" actId="20577"/>
-          <ac:spMkLst>
-            <pc:docMk/>
-            <pc:sldMk cId="2566542504" sldId="292"/>
-            <ac:spMk id="3" creationId="{8E8C475E-CA7F-4C8E-A056-C55A5E1DA568}"/>
-          </ac:spMkLst>
-        </pc:spChg>
-      </pc:sldChg>
-      <pc:sldChg chg="modSp new mod">
-        <pc:chgData name="Tung Kieu" userId="b4b21c43-520c-42f5-a1c6-1446bd617b0e" providerId="ADAL" clId="{8E65E9D7-4E72-47D4-9474-3BDA719DD7A3}" dt="2023-06-05T21:25:51.597" v="1040" actId="15"/>
-        <pc:sldMkLst>
-          <pc:docMk/>
-          <pc:sldMk cId="4011134635" sldId="292"/>
-        </pc:sldMkLst>
-        <pc:spChg chg="mod">
-          <ac:chgData name="Tung Kieu" userId="b4b21c43-520c-42f5-a1c6-1446bd617b0e" providerId="ADAL" clId="{8E65E9D7-4E72-47D4-9474-3BDA719DD7A3}" dt="2023-06-05T21:25:29.502" v="1023"/>
-          <ac:spMkLst>
-            <pc:docMk/>
-            <pc:sldMk cId="4011134635" sldId="292"/>
-            <ac:spMk id="2" creationId="{9C361110-6E6B-4C4F-81AC-B84CDD45F129}"/>
-          </ac:spMkLst>
-        </pc:spChg>
-        <pc:spChg chg="mod">
-          <ac:chgData name="Tung Kieu" userId="b4b21c43-520c-42f5-a1c6-1446bd617b0e" providerId="ADAL" clId="{8E65E9D7-4E72-47D4-9474-3BDA719DD7A3}" dt="2023-06-05T21:25:51.597" v="1040" actId="15"/>
-          <ac:spMkLst>
-            <pc:docMk/>
-            <pc:sldMk cId="4011134635" sldId="292"/>
-            <ac:spMk id="3" creationId="{8F720154-492B-4501-8D46-1BB8FF75A5CA}"/>
-          </ac:spMkLst>
-        </pc:spChg>
-      </pc:sldChg>
-      <pc:sldChg chg="addSp delSp modSp add mod">
-        <pc:chgData name="Tung Kieu" userId="b4b21c43-520c-42f5-a1c6-1446bd617b0e" providerId="ADAL" clId="{8E65E9D7-4E72-47D4-9474-3BDA719DD7A3}" dt="2023-06-05T21:28:35.187" v="1096" actId="1076"/>
-        <pc:sldMkLst>
-          <pc:docMk/>
-          <pc:sldMk cId="722895553" sldId="293"/>
-        </pc:sldMkLst>
-        <pc:spChg chg="mod">
-          <ac:chgData name="Tung Kieu" userId="b4b21c43-520c-42f5-a1c6-1446bd617b0e" providerId="ADAL" clId="{8E65E9D7-4E72-47D4-9474-3BDA719DD7A3}" dt="2023-06-05T21:26:51.522" v="1055" actId="20577"/>
-          <ac:spMkLst>
-            <pc:docMk/>
-            <pc:sldMk cId="722895553" sldId="293"/>
-            <ac:spMk id="2" creationId="{9C361110-6E6B-4C4F-81AC-B84CDD45F129}"/>
-          </ac:spMkLst>
-        </pc:spChg>
-        <pc:spChg chg="del mod">
-          <ac:chgData name="Tung Kieu" userId="b4b21c43-520c-42f5-a1c6-1446bd617b0e" providerId="ADAL" clId="{8E65E9D7-4E72-47D4-9474-3BDA719DD7A3}" dt="2023-06-05T21:26:20.839" v="1044" actId="478"/>
-          <ac:spMkLst>
-            <pc:docMk/>
-            <pc:sldMk cId="722895553" sldId="293"/>
-            <ac:spMk id="3" creationId="{8F720154-492B-4501-8D46-1BB8FF75A5CA}"/>
-          </ac:spMkLst>
-        </pc:spChg>
-        <pc:picChg chg="add mod">
-          <ac:chgData name="Tung Kieu" userId="b4b21c43-520c-42f5-a1c6-1446bd617b0e" providerId="ADAL" clId="{8E65E9D7-4E72-47D4-9474-3BDA719DD7A3}" dt="2023-06-05T21:28:20.827" v="1093" actId="1076"/>
-          <ac:picMkLst>
-            <pc:docMk/>
-            <pc:sldMk cId="722895553" sldId="293"/>
-            <ac:picMk id="4" creationId="{846CD7C2-AF82-4A6F-82DF-A94A7F5436CB}"/>
-          </ac:picMkLst>
-        </pc:picChg>
-        <pc:picChg chg="add mod">
-          <ac:chgData name="Tung Kieu" userId="b4b21c43-520c-42f5-a1c6-1446bd617b0e" providerId="ADAL" clId="{8E65E9D7-4E72-47D4-9474-3BDA719DD7A3}" dt="2023-06-05T21:28:35.187" v="1096" actId="1076"/>
-          <ac:picMkLst>
-            <pc:docMk/>
-            <pc:sldMk cId="722895553" sldId="293"/>
-            <ac:picMk id="5" creationId="{8BF9E955-CA92-4DEB-9E25-091E12BB9E9F}"/>
-          </ac:picMkLst>
-        </pc:picChg>
-      </pc:sldChg>
-      <pc:sldChg chg="modSp new mod">
-        <pc:chgData name="Tung Kieu" userId="b4b21c43-520c-42f5-a1c6-1446bd617b0e" providerId="ADAL" clId="{8E65E9D7-4E72-47D4-9474-3BDA719DD7A3}" dt="2023-06-05T21:27:45.525" v="1088" actId="20577"/>
-        <pc:sldMkLst>
-          <pc:docMk/>
-          <pc:sldMk cId="2786468474" sldId="294"/>
-        </pc:sldMkLst>
-        <pc:spChg chg="mod">
-          <ac:chgData name="Tung Kieu" userId="b4b21c43-520c-42f5-a1c6-1446bd617b0e" providerId="ADAL" clId="{8E65E9D7-4E72-47D4-9474-3BDA719DD7A3}" dt="2023-06-05T21:27:02.408" v="1057"/>
-          <ac:spMkLst>
-            <pc:docMk/>
-            <pc:sldMk cId="2786468474" sldId="294"/>
-            <ac:spMk id="2" creationId="{19816A65-1560-4554-A27C-D79BFA189BD4}"/>
-          </ac:spMkLst>
-        </pc:spChg>
-        <pc:spChg chg="mod">
-          <ac:chgData name="Tung Kieu" userId="b4b21c43-520c-42f5-a1c6-1446bd617b0e" providerId="ADAL" clId="{8E65E9D7-4E72-47D4-9474-3BDA719DD7A3}" dt="2023-06-05T21:27:45.525" v="1088" actId="20577"/>
-          <ac:spMkLst>
-            <pc:docMk/>
-            <pc:sldMk cId="2786468474" sldId="294"/>
-            <ac:spMk id="3" creationId="{0C5B33C7-AB61-412C-A7CC-25369963B856}"/>
-          </ac:spMkLst>
-        </pc:spChg>
-      </pc:sldChg>
-      <pc:sldChg chg="addSp modSp new mod">
-        <pc:chgData name="Tung Kieu" userId="b4b21c43-520c-42f5-a1c6-1446bd617b0e" providerId="ADAL" clId="{8E65E9D7-4E72-47D4-9474-3BDA719DD7A3}" dt="2023-06-05T21:31:02.892" v="1139" actId="14100"/>
-        <pc:sldMkLst>
-          <pc:docMk/>
-          <pc:sldMk cId="987549846" sldId="295"/>
-        </pc:sldMkLst>
-        <pc:spChg chg="mod">
-          <ac:chgData name="Tung Kieu" userId="b4b21c43-520c-42f5-a1c6-1446bd617b0e" providerId="ADAL" clId="{8E65E9D7-4E72-47D4-9474-3BDA719DD7A3}" dt="2023-06-05T21:29:02.409" v="1111" actId="20577"/>
-          <ac:spMkLst>
-            <pc:docMk/>
-            <pc:sldMk cId="987549846" sldId="295"/>
-            <ac:spMk id="2" creationId="{9086112F-C583-4208-86A0-3803E2AC7C38}"/>
-          </ac:spMkLst>
-        </pc:spChg>
-        <pc:spChg chg="mod">
-          <ac:chgData name="Tung Kieu" userId="b4b21c43-520c-42f5-a1c6-1446bd617b0e" providerId="ADAL" clId="{8E65E9D7-4E72-47D4-9474-3BDA719DD7A3}" dt="2023-06-05T21:30:24.572" v="1133" actId="14100"/>
-          <ac:spMkLst>
-            <pc:docMk/>
-            <pc:sldMk cId="987549846" sldId="295"/>
-            <ac:spMk id="3" creationId="{FEFB934C-A517-404E-9C98-7C5573222870}"/>
-          </ac:spMkLst>
-        </pc:spChg>
-        <pc:picChg chg="add mod">
-          <ac:chgData name="Tung Kieu" userId="b4b21c43-520c-42f5-a1c6-1446bd617b0e" providerId="ADAL" clId="{8E65E9D7-4E72-47D4-9474-3BDA719DD7A3}" dt="2023-06-05T21:30:26.563" v="1134" actId="1076"/>
-          <ac:picMkLst>
-            <pc:docMk/>
-            <pc:sldMk cId="987549846" sldId="295"/>
-            <ac:picMk id="4" creationId="{CB2137CE-0510-49B8-AED4-5F20FEE4FABD}"/>
-          </ac:picMkLst>
-        </pc:picChg>
-        <pc:picChg chg="add mod">
-          <ac:chgData name="Tung Kieu" userId="b4b21c43-520c-42f5-a1c6-1446bd617b0e" providerId="ADAL" clId="{8E65E9D7-4E72-47D4-9474-3BDA719DD7A3}" dt="2023-06-05T21:31:02.892" v="1139" actId="14100"/>
-          <ac:picMkLst>
-            <pc:docMk/>
-            <pc:sldMk cId="987549846" sldId="295"/>
-            <ac:picMk id="5" creationId="{E2B0B591-D57B-475C-B7A3-B50CFF68962B}"/>
-          </ac:picMkLst>
-        </pc:picChg>
-      </pc:sldChg>
-      <pc:sldChg chg="modSp new mod">
-        <pc:chgData name="Tung Kieu" userId="b4b21c43-520c-42f5-a1c6-1446bd617b0e" providerId="ADAL" clId="{8E65E9D7-4E72-47D4-9474-3BDA719DD7A3}" dt="2023-06-05T21:33:03.670" v="1153"/>
-        <pc:sldMkLst>
-          <pc:docMk/>
-          <pc:sldMk cId="1779299786" sldId="296"/>
-        </pc:sldMkLst>
-        <pc:spChg chg="mod">
-          <ac:chgData name="Tung Kieu" userId="b4b21c43-520c-42f5-a1c6-1446bd617b0e" providerId="ADAL" clId="{8E65E9D7-4E72-47D4-9474-3BDA719DD7A3}" dt="2023-06-05T21:33:03.670" v="1153"/>
-          <ac:spMkLst>
-            <pc:docMk/>
-            <pc:sldMk cId="1779299786" sldId="296"/>
-            <ac:spMk id="2" creationId="{E6177772-3BB3-462D-858C-2BF68AB9E644}"/>
-          </ac:spMkLst>
-        </pc:spChg>
-        <pc:spChg chg="mod">
-          <ac:chgData name="Tung Kieu" userId="b4b21c43-520c-42f5-a1c6-1446bd617b0e" providerId="ADAL" clId="{8E65E9D7-4E72-47D4-9474-3BDA719DD7A3}" dt="2023-06-05T21:32:59.028" v="1151"/>
-          <ac:spMkLst>
-            <pc:docMk/>
-            <pc:sldMk cId="1779299786" sldId="296"/>
-            <ac:spMk id="3" creationId="{EC963100-6DED-4864-B9E9-975501101DFE}"/>
-          </ac:spMkLst>
-        </pc:spChg>
-      </pc:sldChg>
-    </pc:docChg>
-  </pc:docChgLst>
-  <pc:docChgLst>
     <pc:chgData name="Tung Kieu" userId="b4b21c43-520c-42f5-a1c6-1446bd617b0e" providerId="ADAL" clId="{70D10DFF-EB16-485C-870F-BA44F716BFD3}"/>
     <pc:docChg chg="undo custSel addSld delSld modSld delMainMaster">
       <pc:chgData name="Tung Kieu" userId="b4b21c43-520c-42f5-a1c6-1446bd617b0e" providerId="ADAL" clId="{70D10DFF-EB16-485C-870F-BA44F716BFD3}" dt="2023-06-03T19:36:27.294" v="363" actId="2696"/>
@@ -1330,6 +426,910 @@
           </pc:sldLayoutMkLst>
         </pc:sldLayoutChg>
       </pc:sldMasterChg>
+    </pc:docChg>
+  </pc:docChgLst>
+  <pc:docChgLst>
+    <pc:chgData name="Tung Kieu" userId="b4b21c43-520c-42f5-a1c6-1446bd617b0e" providerId="ADAL" clId="{8E65E9D7-4E72-47D4-9474-3BDA719DD7A3}"/>
+    <pc:docChg chg="undo custSel addSld delSld modSld">
+      <pc:chgData name="Tung Kieu" userId="b4b21c43-520c-42f5-a1c6-1446bd617b0e" providerId="ADAL" clId="{8E65E9D7-4E72-47D4-9474-3BDA719DD7A3}" dt="2023-06-05T21:37:17.483" v="1154" actId="47"/>
+      <pc:docMkLst>
+        <pc:docMk/>
+      </pc:docMkLst>
+      <pc:sldChg chg="modSp mod">
+        <pc:chgData name="Tung Kieu" userId="b4b21c43-520c-42f5-a1c6-1446bd617b0e" providerId="ADAL" clId="{8E65E9D7-4E72-47D4-9474-3BDA719DD7A3}" dt="2023-06-03T19:38:59.878" v="27" actId="20577"/>
+        <pc:sldMkLst>
+          <pc:docMk/>
+          <pc:sldMk cId="270143235" sldId="257"/>
+        </pc:sldMkLst>
+        <pc:spChg chg="mod">
+          <ac:chgData name="Tung Kieu" userId="b4b21c43-520c-42f5-a1c6-1446bd617b0e" providerId="ADAL" clId="{8E65E9D7-4E72-47D4-9474-3BDA719DD7A3}" dt="2023-06-03T19:38:59.878" v="27" actId="20577"/>
+          <ac:spMkLst>
+            <pc:docMk/>
+            <pc:sldMk cId="270143235" sldId="257"/>
+            <ac:spMk id="3" creationId="{264353A9-9343-4658-9014-2BBAC57AA8CB}"/>
+          </ac:spMkLst>
+        </pc:spChg>
+      </pc:sldChg>
+      <pc:sldChg chg="modSp mod">
+        <pc:chgData name="Tung Kieu" userId="b4b21c43-520c-42f5-a1c6-1446bd617b0e" providerId="ADAL" clId="{8E65E9D7-4E72-47D4-9474-3BDA719DD7A3}" dt="2023-06-03T19:41:04.255" v="71" actId="20577"/>
+        <pc:sldMkLst>
+          <pc:docMk/>
+          <pc:sldMk cId="3319934939" sldId="258"/>
+        </pc:sldMkLst>
+        <pc:spChg chg="mod">
+          <ac:chgData name="Tung Kieu" userId="b4b21c43-520c-42f5-a1c6-1446bd617b0e" providerId="ADAL" clId="{8E65E9D7-4E72-47D4-9474-3BDA719DD7A3}" dt="2023-06-03T19:41:04.255" v="71" actId="20577"/>
+          <ac:spMkLst>
+            <pc:docMk/>
+            <pc:sldMk cId="3319934939" sldId="258"/>
+            <ac:spMk id="3" creationId="{51235932-C2E0-45C8-BFF4-366B6F835996}"/>
+          </ac:spMkLst>
+        </pc:spChg>
+      </pc:sldChg>
+      <pc:sldChg chg="modSp mod">
+        <pc:chgData name="Tung Kieu" userId="b4b21c43-520c-42f5-a1c6-1446bd617b0e" providerId="ADAL" clId="{8E65E9D7-4E72-47D4-9474-3BDA719DD7A3}" dt="2023-06-03T19:41:18.535" v="93" actId="20577"/>
+        <pc:sldMkLst>
+          <pc:docMk/>
+          <pc:sldMk cId="2657390394" sldId="260"/>
+        </pc:sldMkLst>
+        <pc:spChg chg="mod">
+          <ac:chgData name="Tung Kieu" userId="b4b21c43-520c-42f5-a1c6-1446bd617b0e" providerId="ADAL" clId="{8E65E9D7-4E72-47D4-9474-3BDA719DD7A3}" dt="2023-06-03T19:41:18.535" v="93" actId="20577"/>
+          <ac:spMkLst>
+            <pc:docMk/>
+            <pc:sldMk cId="2657390394" sldId="260"/>
+            <ac:spMk id="3" creationId="{D8B7C2EF-56B3-4C5D-9CB3-DA6BB4AE9DC4}"/>
+          </ac:spMkLst>
+        </pc:spChg>
+      </pc:sldChg>
+      <pc:sldChg chg="del">
+        <pc:chgData name="Tung Kieu" userId="b4b21c43-520c-42f5-a1c6-1446bd617b0e" providerId="ADAL" clId="{8E65E9D7-4E72-47D4-9474-3BDA719DD7A3}" dt="2023-06-03T19:41:34.963" v="94" actId="2696"/>
+        <pc:sldMkLst>
+          <pc:docMk/>
+          <pc:sldMk cId="967116661" sldId="261"/>
+        </pc:sldMkLst>
+      </pc:sldChg>
+      <pc:sldChg chg="modSp new mod">
+        <pc:chgData name="Tung Kieu" userId="b4b21c43-520c-42f5-a1c6-1446bd617b0e" providerId="ADAL" clId="{8E65E9D7-4E72-47D4-9474-3BDA719DD7A3}" dt="2023-06-03T19:43:51.414" v="201" actId="20577"/>
+        <pc:sldMkLst>
+          <pc:docMk/>
+          <pc:sldMk cId="3882873561" sldId="261"/>
+        </pc:sldMkLst>
+        <pc:spChg chg="mod">
+          <ac:chgData name="Tung Kieu" userId="b4b21c43-520c-42f5-a1c6-1446bd617b0e" providerId="ADAL" clId="{8E65E9D7-4E72-47D4-9474-3BDA719DD7A3}" dt="2023-06-03T19:42:33.411" v="152" actId="20577"/>
+          <ac:spMkLst>
+            <pc:docMk/>
+            <pc:sldMk cId="3882873561" sldId="261"/>
+            <ac:spMk id="2" creationId="{6125BC8D-6225-42FD-8DBE-F1007733845E}"/>
+          </ac:spMkLst>
+        </pc:spChg>
+        <pc:spChg chg="mod">
+          <ac:chgData name="Tung Kieu" userId="b4b21c43-520c-42f5-a1c6-1446bd617b0e" providerId="ADAL" clId="{8E65E9D7-4E72-47D4-9474-3BDA719DD7A3}" dt="2023-06-03T19:43:51.414" v="201" actId="20577"/>
+          <ac:spMkLst>
+            <pc:docMk/>
+            <pc:sldMk cId="3882873561" sldId="261"/>
+            <ac:spMk id="3" creationId="{C23FC18A-DC3D-4722-881D-83FEC9FB2301}"/>
+          </ac:spMkLst>
+        </pc:spChg>
+      </pc:sldChg>
+      <pc:sldChg chg="modSp new mod">
+        <pc:chgData name="Tung Kieu" userId="b4b21c43-520c-42f5-a1c6-1446bd617b0e" providerId="ADAL" clId="{8E65E9D7-4E72-47D4-9474-3BDA719DD7A3}" dt="2023-06-03T19:44:58.264" v="240" actId="27636"/>
+        <pc:sldMkLst>
+          <pc:docMk/>
+          <pc:sldMk cId="1604900231" sldId="262"/>
+        </pc:sldMkLst>
+        <pc:spChg chg="mod">
+          <ac:chgData name="Tung Kieu" userId="b4b21c43-520c-42f5-a1c6-1446bd617b0e" providerId="ADAL" clId="{8E65E9D7-4E72-47D4-9474-3BDA719DD7A3}" dt="2023-06-03T19:44:13.458" v="217" actId="20577"/>
+          <ac:spMkLst>
+            <pc:docMk/>
+            <pc:sldMk cId="1604900231" sldId="262"/>
+            <ac:spMk id="2" creationId="{4303B44C-E0F0-40BB-A4F9-C03BFC379112}"/>
+          </ac:spMkLst>
+        </pc:spChg>
+        <pc:spChg chg="mod">
+          <ac:chgData name="Tung Kieu" userId="b4b21c43-520c-42f5-a1c6-1446bd617b0e" providerId="ADAL" clId="{8E65E9D7-4E72-47D4-9474-3BDA719DD7A3}" dt="2023-06-03T19:44:58.264" v="240" actId="27636"/>
+          <ac:spMkLst>
+            <pc:docMk/>
+            <pc:sldMk cId="1604900231" sldId="262"/>
+            <ac:spMk id="3" creationId="{13DD6D88-DF1D-4D73-99A3-8E1E66D13487}"/>
+          </ac:spMkLst>
+        </pc:spChg>
+      </pc:sldChg>
+      <pc:sldChg chg="modSp new mod">
+        <pc:chgData name="Tung Kieu" userId="b4b21c43-520c-42f5-a1c6-1446bd617b0e" providerId="ADAL" clId="{8E65E9D7-4E72-47D4-9474-3BDA719DD7A3}" dt="2023-06-03T20:15:43.029" v="275" actId="20577"/>
+        <pc:sldMkLst>
+          <pc:docMk/>
+          <pc:sldMk cId="3597669071" sldId="263"/>
+        </pc:sldMkLst>
+        <pc:spChg chg="mod">
+          <ac:chgData name="Tung Kieu" userId="b4b21c43-520c-42f5-a1c6-1446bd617b0e" providerId="ADAL" clId="{8E65E9D7-4E72-47D4-9474-3BDA719DD7A3}" dt="2023-06-03T20:14:57.161" v="243"/>
+          <ac:spMkLst>
+            <pc:docMk/>
+            <pc:sldMk cId="3597669071" sldId="263"/>
+            <ac:spMk id="2" creationId="{7246DAA8-1D57-4196-98FF-B3E77AD5E9A7}"/>
+          </ac:spMkLst>
+        </pc:spChg>
+        <pc:spChg chg="mod">
+          <ac:chgData name="Tung Kieu" userId="b4b21c43-520c-42f5-a1c6-1446bd617b0e" providerId="ADAL" clId="{8E65E9D7-4E72-47D4-9474-3BDA719DD7A3}" dt="2023-06-03T20:15:43.029" v="275" actId="20577"/>
+          <ac:spMkLst>
+            <pc:docMk/>
+            <pc:sldMk cId="3597669071" sldId="263"/>
+            <ac:spMk id="3" creationId="{6A634F30-A84B-4ECE-9CE1-24C37CF1BDF7}"/>
+          </ac:spMkLst>
+        </pc:spChg>
+      </pc:sldChg>
+      <pc:sldChg chg="modSp new mod">
+        <pc:chgData name="Tung Kieu" userId="b4b21c43-520c-42f5-a1c6-1446bd617b0e" providerId="ADAL" clId="{8E65E9D7-4E72-47D4-9474-3BDA719DD7A3}" dt="2023-06-03T20:16:33.346" v="295" actId="20577"/>
+        <pc:sldMkLst>
+          <pc:docMk/>
+          <pc:sldMk cId="3395180275" sldId="264"/>
+        </pc:sldMkLst>
+        <pc:spChg chg="mod">
+          <ac:chgData name="Tung Kieu" userId="b4b21c43-520c-42f5-a1c6-1446bd617b0e" providerId="ADAL" clId="{8E65E9D7-4E72-47D4-9474-3BDA719DD7A3}" dt="2023-06-03T20:16:18.442" v="284" actId="20577"/>
+          <ac:spMkLst>
+            <pc:docMk/>
+            <pc:sldMk cId="3395180275" sldId="264"/>
+            <ac:spMk id="2" creationId="{64B30664-FA40-4A04-90A4-6B0270BC07E7}"/>
+          </ac:spMkLst>
+        </pc:spChg>
+        <pc:spChg chg="mod">
+          <ac:chgData name="Tung Kieu" userId="b4b21c43-520c-42f5-a1c6-1446bd617b0e" providerId="ADAL" clId="{8E65E9D7-4E72-47D4-9474-3BDA719DD7A3}" dt="2023-06-03T20:16:33.346" v="295" actId="20577"/>
+          <ac:spMkLst>
+            <pc:docMk/>
+            <pc:sldMk cId="3395180275" sldId="264"/>
+            <ac:spMk id="3" creationId="{474F6D48-C380-4491-A06B-C69D23D6C55E}"/>
+          </ac:spMkLst>
+        </pc:spChg>
+      </pc:sldChg>
+      <pc:sldChg chg="modSp new mod">
+        <pc:chgData name="Tung Kieu" userId="b4b21c43-520c-42f5-a1c6-1446bd617b0e" providerId="ADAL" clId="{8E65E9D7-4E72-47D4-9474-3BDA719DD7A3}" dt="2023-06-04T08:39:00.306" v="392" actId="113"/>
+        <pc:sldMkLst>
+          <pc:docMk/>
+          <pc:sldMk cId="2873551422" sldId="265"/>
+        </pc:sldMkLst>
+        <pc:spChg chg="mod">
+          <ac:chgData name="Tung Kieu" userId="b4b21c43-520c-42f5-a1c6-1446bd617b0e" providerId="ADAL" clId="{8E65E9D7-4E72-47D4-9474-3BDA719DD7A3}" dt="2023-06-03T20:18:13.115" v="344" actId="20577"/>
+          <ac:spMkLst>
+            <pc:docMk/>
+            <pc:sldMk cId="2873551422" sldId="265"/>
+            <ac:spMk id="2" creationId="{C6C8C6D0-F918-43CA-B143-E64E8741A6F0}"/>
+          </ac:spMkLst>
+        </pc:spChg>
+        <pc:spChg chg="mod">
+          <ac:chgData name="Tung Kieu" userId="b4b21c43-520c-42f5-a1c6-1446bd617b0e" providerId="ADAL" clId="{8E65E9D7-4E72-47D4-9474-3BDA719DD7A3}" dt="2023-06-04T08:39:00.306" v="392" actId="113"/>
+          <ac:spMkLst>
+            <pc:docMk/>
+            <pc:sldMk cId="2873551422" sldId="265"/>
+            <ac:spMk id="3" creationId="{79D5E226-B45D-436A-9542-C33099353D97}"/>
+          </ac:spMkLst>
+        </pc:spChg>
+      </pc:sldChg>
+      <pc:sldChg chg="new">
+        <pc:chgData name="Tung Kieu" userId="b4b21c43-520c-42f5-a1c6-1446bd617b0e" providerId="ADAL" clId="{8E65E9D7-4E72-47D4-9474-3BDA719DD7A3}" dt="2023-06-04T08:17:08.549" v="345" actId="680"/>
+        <pc:sldMkLst>
+          <pc:docMk/>
+          <pc:sldMk cId="2521854095" sldId="266"/>
+        </pc:sldMkLst>
+      </pc:sldChg>
+      <pc:sldChg chg="modSp add mod">
+        <pc:chgData name="Tung Kieu" userId="b4b21c43-520c-42f5-a1c6-1446bd617b0e" providerId="ADAL" clId="{8E65E9D7-4E72-47D4-9474-3BDA719DD7A3}" dt="2023-06-05T21:00:37.612" v="577" actId="20577"/>
+        <pc:sldMkLst>
+          <pc:docMk/>
+          <pc:sldMk cId="4210336665" sldId="267"/>
+        </pc:sldMkLst>
+        <pc:spChg chg="mod">
+          <ac:chgData name="Tung Kieu" userId="b4b21c43-520c-42f5-a1c6-1446bd617b0e" providerId="ADAL" clId="{8E65E9D7-4E72-47D4-9474-3BDA719DD7A3}" dt="2023-06-05T21:00:37.612" v="577" actId="20577"/>
+          <ac:spMkLst>
+            <pc:docMk/>
+            <pc:sldMk cId="4210336665" sldId="267"/>
+            <ac:spMk id="2" creationId="{7246DAA8-1D57-4196-98FF-B3E77AD5E9A7}"/>
+          </ac:spMkLst>
+        </pc:spChg>
+        <pc:spChg chg="mod">
+          <ac:chgData name="Tung Kieu" userId="b4b21c43-520c-42f5-a1c6-1446bd617b0e" providerId="ADAL" clId="{8E65E9D7-4E72-47D4-9474-3BDA719DD7A3}" dt="2023-06-04T08:36:11.216" v="370" actId="15"/>
+          <ac:spMkLst>
+            <pc:docMk/>
+            <pc:sldMk cId="4210336665" sldId="267"/>
+            <ac:spMk id="3" creationId="{6A634F30-A84B-4ECE-9CE1-24C37CF1BDF7}"/>
+          </ac:spMkLst>
+        </pc:spChg>
+      </pc:sldChg>
+      <pc:sldChg chg="modSp add mod">
+        <pc:chgData name="Tung Kieu" userId="b4b21c43-520c-42f5-a1c6-1446bd617b0e" providerId="ADAL" clId="{8E65E9D7-4E72-47D4-9474-3BDA719DD7A3}" dt="2023-06-05T20:50:20.506" v="441"/>
+        <pc:sldMkLst>
+          <pc:docMk/>
+          <pc:sldMk cId="3277072529" sldId="268"/>
+        </pc:sldMkLst>
+        <pc:spChg chg="mod">
+          <ac:chgData name="Tung Kieu" userId="b4b21c43-520c-42f5-a1c6-1446bd617b0e" providerId="ADAL" clId="{8E65E9D7-4E72-47D4-9474-3BDA719DD7A3}" dt="2023-06-05T20:50:20.506" v="441"/>
+          <ac:spMkLst>
+            <pc:docMk/>
+            <pc:sldMk cId="3277072529" sldId="268"/>
+            <ac:spMk id="2" creationId="{C4A1CB60-5300-4561-AE60-5D424A4F2DE4}"/>
+          </ac:spMkLst>
+        </pc:spChg>
+        <pc:spChg chg="mod">
+          <ac:chgData name="Tung Kieu" userId="b4b21c43-520c-42f5-a1c6-1446bd617b0e" providerId="ADAL" clId="{8E65E9D7-4E72-47D4-9474-3BDA719DD7A3}" dt="2023-06-05T20:50:04.644" v="439" actId="123"/>
+          <ac:spMkLst>
+            <pc:docMk/>
+            <pc:sldMk cId="3277072529" sldId="268"/>
+            <ac:spMk id="3" creationId="{D8B7C2EF-56B3-4C5D-9CB3-DA6BB4AE9DC4}"/>
+          </ac:spMkLst>
+        </pc:spChg>
+      </pc:sldChg>
+      <pc:sldChg chg="modSp add mod">
+        <pc:chgData name="Tung Kieu" userId="b4b21c43-520c-42f5-a1c6-1446bd617b0e" providerId="ADAL" clId="{8E65E9D7-4E72-47D4-9474-3BDA719DD7A3}" dt="2023-06-05T20:52:09.092" v="477"/>
+        <pc:sldMkLst>
+          <pc:docMk/>
+          <pc:sldMk cId="245158164" sldId="269"/>
+        </pc:sldMkLst>
+        <pc:spChg chg="mod">
+          <ac:chgData name="Tung Kieu" userId="b4b21c43-520c-42f5-a1c6-1446bd617b0e" providerId="ADAL" clId="{8E65E9D7-4E72-47D4-9474-3BDA719DD7A3}" dt="2023-06-05T20:52:09.092" v="477"/>
+          <ac:spMkLst>
+            <pc:docMk/>
+            <pc:sldMk cId="245158164" sldId="269"/>
+            <ac:spMk id="2" creationId="{C4A1CB60-5300-4561-AE60-5D424A4F2DE4}"/>
+          </ac:spMkLst>
+        </pc:spChg>
+        <pc:spChg chg="mod">
+          <ac:chgData name="Tung Kieu" userId="b4b21c43-520c-42f5-a1c6-1446bd617b0e" providerId="ADAL" clId="{8E65E9D7-4E72-47D4-9474-3BDA719DD7A3}" dt="2023-06-05T20:51:19.122" v="475" actId="15"/>
+          <ac:spMkLst>
+            <pc:docMk/>
+            <pc:sldMk cId="245158164" sldId="269"/>
+            <ac:spMk id="3" creationId="{D8B7C2EF-56B3-4C5D-9CB3-DA6BB4AE9DC4}"/>
+          </ac:spMkLst>
+        </pc:spChg>
+      </pc:sldChg>
+      <pc:sldChg chg="modSp new mod">
+        <pc:chgData name="Tung Kieu" userId="b4b21c43-520c-42f5-a1c6-1446bd617b0e" providerId="ADAL" clId="{8E65E9D7-4E72-47D4-9474-3BDA719DD7A3}" dt="2023-06-05T20:54:51.774" v="535"/>
+        <pc:sldMkLst>
+          <pc:docMk/>
+          <pc:sldMk cId="44747218" sldId="270"/>
+        </pc:sldMkLst>
+        <pc:spChg chg="mod">
+          <ac:chgData name="Tung Kieu" userId="b4b21c43-520c-42f5-a1c6-1446bd617b0e" providerId="ADAL" clId="{8E65E9D7-4E72-47D4-9474-3BDA719DD7A3}" dt="2023-06-05T20:54:51.774" v="535"/>
+          <ac:spMkLst>
+            <pc:docMk/>
+            <pc:sldMk cId="44747218" sldId="270"/>
+            <ac:spMk id="2" creationId="{821E7A1A-0A7A-4DEF-8DBA-7CDB99093604}"/>
+          </ac:spMkLst>
+        </pc:spChg>
+        <pc:spChg chg="mod">
+          <ac:chgData name="Tung Kieu" userId="b4b21c43-520c-42f5-a1c6-1446bd617b0e" providerId="ADAL" clId="{8E65E9D7-4E72-47D4-9474-3BDA719DD7A3}" dt="2023-06-05T20:52:48.782" v="490" actId="20577"/>
+          <ac:spMkLst>
+            <pc:docMk/>
+            <pc:sldMk cId="44747218" sldId="270"/>
+            <ac:spMk id="3" creationId="{FC0B9166-CE43-4A92-9743-7D7627405411}"/>
+          </ac:spMkLst>
+        </pc:spChg>
+      </pc:sldChg>
+      <pc:sldChg chg="modSp new mod">
+        <pc:chgData name="Tung Kieu" userId="b4b21c43-520c-42f5-a1c6-1446bd617b0e" providerId="ADAL" clId="{8E65E9D7-4E72-47D4-9474-3BDA719DD7A3}" dt="2023-06-05T20:54:33.323" v="533"/>
+        <pc:sldMkLst>
+          <pc:docMk/>
+          <pc:sldMk cId="1549681993" sldId="271"/>
+        </pc:sldMkLst>
+        <pc:spChg chg="mod">
+          <ac:chgData name="Tung Kieu" userId="b4b21c43-520c-42f5-a1c6-1446bd617b0e" providerId="ADAL" clId="{8E65E9D7-4E72-47D4-9474-3BDA719DD7A3}" dt="2023-06-05T20:54:33.323" v="533"/>
+          <ac:spMkLst>
+            <pc:docMk/>
+            <pc:sldMk cId="1549681993" sldId="271"/>
+            <ac:spMk id="2" creationId="{39749F93-D3DC-4149-9475-215D627B3A7D}"/>
+          </ac:spMkLst>
+        </pc:spChg>
+        <pc:spChg chg="mod">
+          <ac:chgData name="Tung Kieu" userId="b4b21c43-520c-42f5-a1c6-1446bd617b0e" providerId="ADAL" clId="{8E65E9D7-4E72-47D4-9474-3BDA719DD7A3}" dt="2023-06-05T20:54:23.415" v="530" actId="20577"/>
+          <ac:spMkLst>
+            <pc:docMk/>
+            <pc:sldMk cId="1549681993" sldId="271"/>
+            <ac:spMk id="3" creationId="{8C2EBDF8-0ACA-4D2D-ACF0-3BFCF215E286}"/>
+          </ac:spMkLst>
+        </pc:spChg>
+      </pc:sldChg>
+      <pc:sldChg chg="addSp delSp modSp new mod">
+        <pc:chgData name="Tung Kieu" userId="b4b21c43-520c-42f5-a1c6-1446bd617b0e" providerId="ADAL" clId="{8E65E9D7-4E72-47D4-9474-3BDA719DD7A3}" dt="2023-06-05T20:55:41.289" v="539"/>
+        <pc:sldMkLst>
+          <pc:docMk/>
+          <pc:sldMk cId="734831575" sldId="272"/>
+        </pc:sldMkLst>
+        <pc:spChg chg="mod">
+          <ac:chgData name="Tung Kieu" userId="b4b21c43-520c-42f5-a1c6-1446bd617b0e" providerId="ADAL" clId="{8E65E9D7-4E72-47D4-9474-3BDA719DD7A3}" dt="2023-06-05T20:55:41.289" v="539"/>
+          <ac:spMkLst>
+            <pc:docMk/>
+            <pc:sldMk cId="734831575" sldId="272"/>
+            <ac:spMk id="2" creationId="{2ED4F7D2-DA53-455F-B91C-D137A99D098B}"/>
+          </ac:spMkLst>
+        </pc:spChg>
+        <pc:spChg chg="del">
+          <ac:chgData name="Tung Kieu" userId="b4b21c43-520c-42f5-a1c6-1446bd617b0e" providerId="ADAL" clId="{8E65E9D7-4E72-47D4-9474-3BDA719DD7A3}" dt="2023-06-05T20:55:34.998" v="537"/>
+          <ac:spMkLst>
+            <pc:docMk/>
+            <pc:sldMk cId="734831575" sldId="272"/>
+            <ac:spMk id="3" creationId="{83101208-27CE-4040-9D38-8BC2158D847C}"/>
+          </ac:spMkLst>
+        </pc:spChg>
+        <pc:picChg chg="add mod">
+          <ac:chgData name="Tung Kieu" userId="b4b21c43-520c-42f5-a1c6-1446bd617b0e" providerId="ADAL" clId="{8E65E9D7-4E72-47D4-9474-3BDA719DD7A3}" dt="2023-06-05T20:55:34.998" v="537"/>
+          <ac:picMkLst>
+            <pc:docMk/>
+            <pc:sldMk cId="734831575" sldId="272"/>
+            <ac:picMk id="4" creationId="{52E53DCC-FCDC-43E2-8E3A-FD1E403C2B95}"/>
+          </ac:picMkLst>
+        </pc:picChg>
+      </pc:sldChg>
+      <pc:sldChg chg="modSp new mod">
+        <pc:chgData name="Tung Kieu" userId="b4b21c43-520c-42f5-a1c6-1446bd617b0e" providerId="ADAL" clId="{8E65E9D7-4E72-47D4-9474-3BDA719DD7A3}" dt="2023-06-05T20:56:23.572" v="564" actId="123"/>
+        <pc:sldMkLst>
+          <pc:docMk/>
+          <pc:sldMk cId="3318823626" sldId="273"/>
+        </pc:sldMkLst>
+        <pc:spChg chg="mod">
+          <ac:chgData name="Tung Kieu" userId="b4b21c43-520c-42f5-a1c6-1446bd617b0e" providerId="ADAL" clId="{8E65E9D7-4E72-47D4-9474-3BDA719DD7A3}" dt="2023-06-05T20:56:00.670" v="545"/>
+          <ac:spMkLst>
+            <pc:docMk/>
+            <pc:sldMk cId="3318823626" sldId="273"/>
+            <ac:spMk id="2" creationId="{E61EE4FC-C902-4342-AB6E-780D7C525AC5}"/>
+          </ac:spMkLst>
+        </pc:spChg>
+        <pc:spChg chg="mod">
+          <ac:chgData name="Tung Kieu" userId="b4b21c43-520c-42f5-a1c6-1446bd617b0e" providerId="ADAL" clId="{8E65E9D7-4E72-47D4-9474-3BDA719DD7A3}" dt="2023-06-05T20:56:23.572" v="564" actId="123"/>
+          <ac:spMkLst>
+            <pc:docMk/>
+            <pc:sldMk cId="3318823626" sldId="273"/>
+            <ac:spMk id="3" creationId="{426128C2-BF8C-43BD-B8BE-2373A3BBBBF6}"/>
+          </ac:spMkLst>
+        </pc:spChg>
+      </pc:sldChg>
+      <pc:sldChg chg="addSp delSp modSp new mod">
+        <pc:chgData name="Tung Kieu" userId="b4b21c43-520c-42f5-a1c6-1446bd617b0e" providerId="ADAL" clId="{8E65E9D7-4E72-47D4-9474-3BDA719DD7A3}" dt="2023-06-05T20:58:03.406" v="568"/>
+        <pc:sldMkLst>
+          <pc:docMk/>
+          <pc:sldMk cId="1989459519" sldId="274"/>
+        </pc:sldMkLst>
+        <pc:spChg chg="mod">
+          <ac:chgData name="Tung Kieu" userId="b4b21c43-520c-42f5-a1c6-1446bd617b0e" providerId="ADAL" clId="{8E65E9D7-4E72-47D4-9474-3BDA719DD7A3}" dt="2023-06-05T20:58:03.406" v="568"/>
+          <ac:spMkLst>
+            <pc:docMk/>
+            <pc:sldMk cId="1989459519" sldId="274"/>
+            <ac:spMk id="2" creationId="{631BBD47-0F31-4BA5-8789-D17DF2E44BC6}"/>
+          </ac:spMkLst>
+        </pc:spChg>
+        <pc:spChg chg="del">
+          <ac:chgData name="Tung Kieu" userId="b4b21c43-520c-42f5-a1c6-1446bd617b0e" providerId="ADAL" clId="{8E65E9D7-4E72-47D4-9474-3BDA719DD7A3}" dt="2023-06-05T20:57:51.751" v="566"/>
+          <ac:spMkLst>
+            <pc:docMk/>
+            <pc:sldMk cId="1989459519" sldId="274"/>
+            <ac:spMk id="3" creationId="{6FEA1096-827C-4641-B3B1-A5CF13C23E9D}"/>
+          </ac:spMkLst>
+        </pc:spChg>
+        <pc:picChg chg="add mod">
+          <ac:chgData name="Tung Kieu" userId="b4b21c43-520c-42f5-a1c6-1446bd617b0e" providerId="ADAL" clId="{8E65E9D7-4E72-47D4-9474-3BDA719DD7A3}" dt="2023-06-05T20:57:51.751" v="566"/>
+          <ac:picMkLst>
+            <pc:docMk/>
+            <pc:sldMk cId="1989459519" sldId="274"/>
+            <ac:picMk id="4" creationId="{AEE15240-616E-48C2-97FB-0A6A473E1EB6}"/>
+          </ac:picMkLst>
+        </pc:picChg>
+      </pc:sldChg>
+      <pc:sldChg chg="modSp new mod">
+        <pc:chgData name="Tung Kieu" userId="b4b21c43-520c-42f5-a1c6-1446bd617b0e" providerId="ADAL" clId="{8E65E9D7-4E72-47D4-9474-3BDA719DD7A3}" dt="2023-06-05T21:01:43.602" v="622" actId="20577"/>
+        <pc:sldMkLst>
+          <pc:docMk/>
+          <pc:sldMk cId="3029017302" sldId="275"/>
+        </pc:sldMkLst>
+        <pc:spChg chg="mod">
+          <ac:chgData name="Tung Kieu" userId="b4b21c43-520c-42f5-a1c6-1446bd617b0e" providerId="ADAL" clId="{8E65E9D7-4E72-47D4-9474-3BDA719DD7A3}" dt="2023-06-05T21:01:17.776" v="600" actId="20577"/>
+          <ac:spMkLst>
+            <pc:docMk/>
+            <pc:sldMk cId="3029017302" sldId="275"/>
+            <ac:spMk id="2" creationId="{2356B63A-E74D-472B-8A00-AF09DE4AAD59}"/>
+          </ac:spMkLst>
+        </pc:spChg>
+        <pc:spChg chg="mod">
+          <ac:chgData name="Tung Kieu" userId="b4b21c43-520c-42f5-a1c6-1446bd617b0e" providerId="ADAL" clId="{8E65E9D7-4E72-47D4-9474-3BDA719DD7A3}" dt="2023-06-05T21:01:43.602" v="622" actId="20577"/>
+          <ac:spMkLst>
+            <pc:docMk/>
+            <pc:sldMk cId="3029017302" sldId="275"/>
+            <ac:spMk id="3" creationId="{CB63BCB4-E0CE-4022-B747-8D08B7622B2B}"/>
+          </ac:spMkLst>
+        </pc:spChg>
+      </pc:sldChg>
+      <pc:sldChg chg="modSp new mod">
+        <pc:chgData name="Tung Kieu" userId="b4b21c43-520c-42f5-a1c6-1446bd617b0e" providerId="ADAL" clId="{8E65E9D7-4E72-47D4-9474-3BDA719DD7A3}" dt="2023-06-05T21:03:16.468" v="649" actId="20577"/>
+        <pc:sldMkLst>
+          <pc:docMk/>
+          <pc:sldMk cId="3516089514" sldId="276"/>
+        </pc:sldMkLst>
+        <pc:spChg chg="mod">
+          <ac:chgData name="Tung Kieu" userId="b4b21c43-520c-42f5-a1c6-1446bd617b0e" providerId="ADAL" clId="{8E65E9D7-4E72-47D4-9474-3BDA719DD7A3}" dt="2023-06-05T21:03:16.468" v="649" actId="20577"/>
+          <ac:spMkLst>
+            <pc:docMk/>
+            <pc:sldMk cId="3516089514" sldId="276"/>
+            <ac:spMk id="2" creationId="{12B47EB1-9468-4C0B-AF87-D41BD8910C8A}"/>
+          </ac:spMkLst>
+        </pc:spChg>
+        <pc:spChg chg="mod">
+          <ac:chgData name="Tung Kieu" userId="b4b21c43-520c-42f5-a1c6-1446bd617b0e" providerId="ADAL" clId="{8E65E9D7-4E72-47D4-9474-3BDA719DD7A3}" dt="2023-06-05T21:03:06.324" v="644" actId="20577"/>
+          <ac:spMkLst>
+            <pc:docMk/>
+            <pc:sldMk cId="3516089514" sldId="276"/>
+            <ac:spMk id="3" creationId="{10DB9598-47C3-4BA3-B287-11D73F3D1E37}"/>
+          </ac:spMkLst>
+        </pc:spChg>
+      </pc:sldChg>
+      <pc:sldChg chg="modSp new mod">
+        <pc:chgData name="Tung Kieu" userId="b4b21c43-520c-42f5-a1c6-1446bd617b0e" providerId="ADAL" clId="{8E65E9D7-4E72-47D4-9474-3BDA719DD7A3}" dt="2023-06-05T21:04:56.207" v="687" actId="20577"/>
+        <pc:sldMkLst>
+          <pc:docMk/>
+          <pc:sldMk cId="4097669079" sldId="277"/>
+        </pc:sldMkLst>
+        <pc:spChg chg="mod">
+          <ac:chgData name="Tung Kieu" userId="b4b21c43-520c-42f5-a1c6-1446bd617b0e" providerId="ADAL" clId="{8E65E9D7-4E72-47D4-9474-3BDA719DD7A3}" dt="2023-06-05T21:04:56.207" v="687" actId="20577"/>
+          <ac:spMkLst>
+            <pc:docMk/>
+            <pc:sldMk cId="4097669079" sldId="277"/>
+            <ac:spMk id="2" creationId="{FBD55B56-DD22-4FBA-B1B5-7501675BFEC3}"/>
+          </ac:spMkLst>
+        </pc:spChg>
+        <pc:spChg chg="mod">
+          <ac:chgData name="Tung Kieu" userId="b4b21c43-520c-42f5-a1c6-1446bd617b0e" providerId="ADAL" clId="{8E65E9D7-4E72-47D4-9474-3BDA719DD7A3}" dt="2023-06-05T21:04:33.008" v="682" actId="15"/>
+          <ac:spMkLst>
+            <pc:docMk/>
+            <pc:sldMk cId="4097669079" sldId="277"/>
+            <ac:spMk id="3" creationId="{1AF9C1F6-FB49-4AF2-B40E-AABA4D0B6A6E}"/>
+          </ac:spMkLst>
+        </pc:spChg>
+      </pc:sldChg>
+      <pc:sldChg chg="modSp new mod">
+        <pc:chgData name="Tung Kieu" userId="b4b21c43-520c-42f5-a1c6-1446bd617b0e" providerId="ADAL" clId="{8E65E9D7-4E72-47D4-9474-3BDA719DD7A3}" dt="2023-06-05T21:16:47.625" v="878" actId="20577"/>
+        <pc:sldMkLst>
+          <pc:docMk/>
+          <pc:sldMk cId="137318163" sldId="278"/>
+        </pc:sldMkLst>
+        <pc:spChg chg="mod">
+          <ac:chgData name="Tung Kieu" userId="b4b21c43-520c-42f5-a1c6-1446bd617b0e" providerId="ADAL" clId="{8E65E9D7-4E72-47D4-9474-3BDA719DD7A3}" dt="2023-06-05T21:06:41.020" v="714"/>
+          <ac:spMkLst>
+            <pc:docMk/>
+            <pc:sldMk cId="137318163" sldId="278"/>
+            <ac:spMk id="2" creationId="{A161AB2A-57BF-44A3-BB43-3D9B85578A02}"/>
+          </ac:spMkLst>
+        </pc:spChg>
+        <pc:spChg chg="mod">
+          <ac:chgData name="Tung Kieu" userId="b4b21c43-520c-42f5-a1c6-1446bd617b0e" providerId="ADAL" clId="{8E65E9D7-4E72-47D4-9474-3BDA719DD7A3}" dt="2023-06-05T21:16:47.625" v="878" actId="20577"/>
+          <ac:spMkLst>
+            <pc:docMk/>
+            <pc:sldMk cId="137318163" sldId="278"/>
+            <ac:spMk id="3" creationId="{9F666CD1-6B5D-467A-8344-33A81C2655A4}"/>
+          </ac:spMkLst>
+        </pc:spChg>
+      </pc:sldChg>
+      <pc:sldChg chg="modSp add mod">
+        <pc:chgData name="Tung Kieu" userId="b4b21c43-520c-42f5-a1c6-1446bd617b0e" providerId="ADAL" clId="{8E65E9D7-4E72-47D4-9474-3BDA719DD7A3}" dt="2023-06-05T21:07:11.530" v="733" actId="114"/>
+        <pc:sldMkLst>
+          <pc:docMk/>
+          <pc:sldMk cId="1614180452" sldId="279"/>
+        </pc:sldMkLst>
+        <pc:spChg chg="mod">
+          <ac:chgData name="Tung Kieu" userId="b4b21c43-520c-42f5-a1c6-1446bd617b0e" providerId="ADAL" clId="{8E65E9D7-4E72-47D4-9474-3BDA719DD7A3}" dt="2023-06-05T21:07:11.530" v="733" actId="114"/>
+          <ac:spMkLst>
+            <pc:docMk/>
+            <pc:sldMk cId="1614180452" sldId="279"/>
+            <ac:spMk id="3" creationId="{9F666CD1-6B5D-467A-8344-33A81C2655A4}"/>
+          </ac:spMkLst>
+        </pc:spChg>
+      </pc:sldChg>
+      <pc:sldChg chg="modSp new mod">
+        <pc:chgData name="Tung Kieu" userId="b4b21c43-520c-42f5-a1c6-1446bd617b0e" providerId="ADAL" clId="{8E65E9D7-4E72-47D4-9474-3BDA719DD7A3}" dt="2023-06-05T21:08:03.516" v="753" actId="20577"/>
+        <pc:sldMkLst>
+          <pc:docMk/>
+          <pc:sldMk cId="3472353285" sldId="280"/>
+        </pc:sldMkLst>
+        <pc:spChg chg="mod">
+          <ac:chgData name="Tung Kieu" userId="b4b21c43-520c-42f5-a1c6-1446bd617b0e" providerId="ADAL" clId="{8E65E9D7-4E72-47D4-9474-3BDA719DD7A3}" dt="2023-06-05T21:07:44.419" v="739" actId="20577"/>
+          <ac:spMkLst>
+            <pc:docMk/>
+            <pc:sldMk cId="3472353285" sldId="280"/>
+            <ac:spMk id="2" creationId="{77011627-1933-4BBC-8D92-EAFDCAD403D0}"/>
+          </ac:spMkLst>
+        </pc:spChg>
+        <pc:spChg chg="mod">
+          <ac:chgData name="Tung Kieu" userId="b4b21c43-520c-42f5-a1c6-1446bd617b0e" providerId="ADAL" clId="{8E65E9D7-4E72-47D4-9474-3BDA719DD7A3}" dt="2023-06-05T21:08:03.516" v="753" actId="20577"/>
+          <ac:spMkLst>
+            <pc:docMk/>
+            <pc:sldMk cId="3472353285" sldId="280"/>
+            <ac:spMk id="3" creationId="{9499CD14-D2A7-43CA-AD11-F8F5566D326D}"/>
+          </ac:spMkLst>
+        </pc:spChg>
+      </pc:sldChg>
+      <pc:sldChg chg="modSp new del mod">
+        <pc:chgData name="Tung Kieu" userId="b4b21c43-520c-42f5-a1c6-1446bd617b0e" providerId="ADAL" clId="{8E65E9D7-4E72-47D4-9474-3BDA719DD7A3}" dt="2023-06-05T21:37:17.483" v="1154" actId="47"/>
+        <pc:sldMkLst>
+          <pc:docMk/>
+          <pc:sldMk cId="2797282746" sldId="281"/>
+        </pc:sldMkLst>
+        <pc:spChg chg="mod">
+          <ac:chgData name="Tung Kieu" userId="b4b21c43-520c-42f5-a1c6-1446bd617b0e" providerId="ADAL" clId="{8E65E9D7-4E72-47D4-9474-3BDA719DD7A3}" dt="2023-06-05T21:09:14.148" v="770"/>
+          <ac:spMkLst>
+            <pc:docMk/>
+            <pc:sldMk cId="2797282746" sldId="281"/>
+            <ac:spMk id="2" creationId="{F9828134-30DF-4124-A3CB-3EEB077F2393}"/>
+          </ac:spMkLst>
+        </pc:spChg>
+        <pc:spChg chg="mod">
+          <ac:chgData name="Tung Kieu" userId="b4b21c43-520c-42f5-a1c6-1446bd617b0e" providerId="ADAL" clId="{8E65E9D7-4E72-47D4-9474-3BDA719DD7A3}" dt="2023-06-05T21:08:56.694" v="768" actId="20577"/>
+          <ac:spMkLst>
+            <pc:docMk/>
+            <pc:sldMk cId="2797282746" sldId="281"/>
+            <ac:spMk id="3" creationId="{D0C78D7B-1F2C-466D-A618-BA3B00EF3012}"/>
+          </ac:spMkLst>
+        </pc:spChg>
+      </pc:sldChg>
+      <pc:sldChg chg="modSp new mod">
+        <pc:chgData name="Tung Kieu" userId="b4b21c43-520c-42f5-a1c6-1446bd617b0e" providerId="ADAL" clId="{8E65E9D7-4E72-47D4-9474-3BDA719DD7A3}" dt="2023-06-05T21:11:17.145" v="795"/>
+        <pc:sldMkLst>
+          <pc:docMk/>
+          <pc:sldMk cId="3779671662" sldId="282"/>
+        </pc:sldMkLst>
+        <pc:spChg chg="mod">
+          <ac:chgData name="Tung Kieu" userId="b4b21c43-520c-42f5-a1c6-1446bd617b0e" providerId="ADAL" clId="{8E65E9D7-4E72-47D4-9474-3BDA719DD7A3}" dt="2023-06-05T21:11:17.145" v="795"/>
+          <ac:spMkLst>
+            <pc:docMk/>
+            <pc:sldMk cId="3779671662" sldId="282"/>
+            <ac:spMk id="2" creationId="{9D7DE7BF-1532-46FA-8096-7BC8F61445F1}"/>
+          </ac:spMkLst>
+        </pc:spChg>
+        <pc:spChg chg="mod">
+          <ac:chgData name="Tung Kieu" userId="b4b21c43-520c-42f5-a1c6-1446bd617b0e" providerId="ADAL" clId="{8E65E9D7-4E72-47D4-9474-3BDA719DD7A3}" dt="2023-06-05T21:11:10.336" v="793" actId="20577"/>
+          <ac:spMkLst>
+            <pc:docMk/>
+            <pc:sldMk cId="3779671662" sldId="282"/>
+            <ac:spMk id="3" creationId="{88AAEA1D-426A-4FC3-A821-F64286C8BC15}"/>
+          </ac:spMkLst>
+        </pc:spChg>
+      </pc:sldChg>
+      <pc:sldChg chg="modSp new mod">
+        <pc:chgData name="Tung Kieu" userId="b4b21c43-520c-42f5-a1c6-1446bd617b0e" providerId="ADAL" clId="{8E65E9D7-4E72-47D4-9474-3BDA719DD7A3}" dt="2023-06-05T21:12:20.318" v="814"/>
+        <pc:sldMkLst>
+          <pc:docMk/>
+          <pc:sldMk cId="182466909" sldId="283"/>
+        </pc:sldMkLst>
+        <pc:spChg chg="mod">
+          <ac:chgData name="Tung Kieu" userId="b4b21c43-520c-42f5-a1c6-1446bd617b0e" providerId="ADAL" clId="{8E65E9D7-4E72-47D4-9474-3BDA719DD7A3}" dt="2023-06-05T21:12:20.318" v="814"/>
+          <ac:spMkLst>
+            <pc:docMk/>
+            <pc:sldMk cId="182466909" sldId="283"/>
+            <ac:spMk id="2" creationId="{D2B30F09-4A9D-479D-9EBB-A63DFFC487ED}"/>
+          </ac:spMkLst>
+        </pc:spChg>
+        <pc:spChg chg="mod">
+          <ac:chgData name="Tung Kieu" userId="b4b21c43-520c-42f5-a1c6-1446bd617b0e" providerId="ADAL" clId="{8E65E9D7-4E72-47D4-9474-3BDA719DD7A3}" dt="2023-06-05T21:12:12.998" v="812" actId="15"/>
+          <ac:spMkLst>
+            <pc:docMk/>
+            <pc:sldMk cId="182466909" sldId="283"/>
+            <ac:spMk id="3" creationId="{1B7FC786-90FD-4839-983D-FECE85FFED3C}"/>
+          </ac:spMkLst>
+        </pc:spChg>
+      </pc:sldChg>
+      <pc:sldChg chg="modSp add mod">
+        <pc:chgData name="Tung Kieu" userId="b4b21c43-520c-42f5-a1c6-1446bd617b0e" providerId="ADAL" clId="{8E65E9D7-4E72-47D4-9474-3BDA719DD7A3}" dt="2023-06-05T21:13:46.536" v="830" actId="6549"/>
+        <pc:sldMkLst>
+          <pc:docMk/>
+          <pc:sldMk cId="2738404981" sldId="284"/>
+        </pc:sldMkLst>
+        <pc:spChg chg="mod">
+          <ac:chgData name="Tung Kieu" userId="b4b21c43-520c-42f5-a1c6-1446bd617b0e" providerId="ADAL" clId="{8E65E9D7-4E72-47D4-9474-3BDA719DD7A3}" dt="2023-06-05T21:13:46.536" v="830" actId="6549"/>
+          <ac:spMkLst>
+            <pc:docMk/>
+            <pc:sldMk cId="2738404981" sldId="284"/>
+            <ac:spMk id="3" creationId="{1B7FC786-90FD-4839-983D-FECE85FFED3C}"/>
+          </ac:spMkLst>
+        </pc:spChg>
+      </pc:sldChg>
+      <pc:sldChg chg="modSp new mod">
+        <pc:chgData name="Tung Kieu" userId="b4b21c43-520c-42f5-a1c6-1446bd617b0e" providerId="ADAL" clId="{8E65E9D7-4E72-47D4-9474-3BDA719DD7A3}" dt="2023-06-05T21:15:22.619" v="849" actId="15"/>
+        <pc:sldMkLst>
+          <pc:docMk/>
+          <pc:sldMk cId="713782404" sldId="285"/>
+        </pc:sldMkLst>
+        <pc:spChg chg="mod">
+          <ac:chgData name="Tung Kieu" userId="b4b21c43-520c-42f5-a1c6-1446bd617b0e" providerId="ADAL" clId="{8E65E9D7-4E72-47D4-9474-3BDA719DD7A3}" dt="2023-06-05T21:15:05.721" v="833"/>
+          <ac:spMkLst>
+            <pc:docMk/>
+            <pc:sldMk cId="713782404" sldId="285"/>
+            <ac:spMk id="2" creationId="{AA7A8828-ADBB-489C-98F5-B8B326CF54CA}"/>
+          </ac:spMkLst>
+        </pc:spChg>
+        <pc:spChg chg="mod">
+          <ac:chgData name="Tung Kieu" userId="b4b21c43-520c-42f5-a1c6-1446bd617b0e" providerId="ADAL" clId="{8E65E9D7-4E72-47D4-9474-3BDA719DD7A3}" dt="2023-06-05T21:15:22.619" v="849" actId="15"/>
+          <ac:spMkLst>
+            <pc:docMk/>
+            <pc:sldMk cId="713782404" sldId="285"/>
+            <ac:spMk id="3" creationId="{58677310-4C1E-4427-A572-BAA2A5FB25AE}"/>
+          </ac:spMkLst>
+        </pc:spChg>
+      </pc:sldChg>
+      <pc:sldChg chg="modSp add mod">
+        <pc:chgData name="Tung Kieu" userId="b4b21c43-520c-42f5-a1c6-1446bd617b0e" providerId="ADAL" clId="{8E65E9D7-4E72-47D4-9474-3BDA719DD7A3}" dt="2023-06-05T21:16:25.714" v="876" actId="15"/>
+        <pc:sldMkLst>
+          <pc:docMk/>
+          <pc:sldMk cId="2220416205" sldId="286"/>
+        </pc:sldMkLst>
+        <pc:spChg chg="mod">
+          <ac:chgData name="Tung Kieu" userId="b4b21c43-520c-42f5-a1c6-1446bd617b0e" providerId="ADAL" clId="{8E65E9D7-4E72-47D4-9474-3BDA719DD7A3}" dt="2023-06-05T21:16:25.714" v="876" actId="15"/>
+          <ac:spMkLst>
+            <pc:docMk/>
+            <pc:sldMk cId="2220416205" sldId="286"/>
+            <ac:spMk id="3" creationId="{58677310-4C1E-4427-A572-BAA2A5FB25AE}"/>
+          </ac:spMkLst>
+        </pc:spChg>
+      </pc:sldChg>
+      <pc:sldChg chg="modSp new mod">
+        <pc:chgData name="Tung Kieu" userId="b4b21c43-520c-42f5-a1c6-1446bd617b0e" providerId="ADAL" clId="{8E65E9D7-4E72-47D4-9474-3BDA719DD7A3}" dt="2023-06-05T21:19:34.969" v="911" actId="27636"/>
+        <pc:sldMkLst>
+          <pc:docMk/>
+          <pc:sldMk cId="2812417156" sldId="287"/>
+        </pc:sldMkLst>
+        <pc:spChg chg="mod">
+          <ac:chgData name="Tung Kieu" userId="b4b21c43-520c-42f5-a1c6-1446bd617b0e" providerId="ADAL" clId="{8E65E9D7-4E72-47D4-9474-3BDA719DD7A3}" dt="2023-06-05T21:18:54.593" v="881"/>
+          <ac:spMkLst>
+            <pc:docMk/>
+            <pc:sldMk cId="2812417156" sldId="287"/>
+            <ac:spMk id="2" creationId="{3BF1D882-2E48-49E0-9C92-F369234CB5BA}"/>
+          </ac:spMkLst>
+        </pc:spChg>
+        <pc:spChg chg="mod">
+          <ac:chgData name="Tung Kieu" userId="b4b21c43-520c-42f5-a1c6-1446bd617b0e" providerId="ADAL" clId="{8E65E9D7-4E72-47D4-9474-3BDA719DD7A3}" dt="2023-06-05T21:19:34.969" v="911" actId="27636"/>
+          <ac:spMkLst>
+            <pc:docMk/>
+            <pc:sldMk cId="2812417156" sldId="287"/>
+            <ac:spMk id="3" creationId="{D31183A3-5E22-4107-8277-90F07090EDB0}"/>
+          </ac:spMkLst>
+        </pc:spChg>
+      </pc:sldChg>
+      <pc:sldChg chg="modSp new mod">
+        <pc:chgData name="Tung Kieu" userId="b4b21c43-520c-42f5-a1c6-1446bd617b0e" providerId="ADAL" clId="{8E65E9D7-4E72-47D4-9474-3BDA719DD7A3}" dt="2023-06-05T21:20:58.264" v="948" actId="27636"/>
+        <pc:sldMkLst>
+          <pc:docMk/>
+          <pc:sldMk cId="2495756307" sldId="288"/>
+        </pc:sldMkLst>
+        <pc:spChg chg="mod">
+          <ac:chgData name="Tung Kieu" userId="b4b21c43-520c-42f5-a1c6-1446bd617b0e" providerId="ADAL" clId="{8E65E9D7-4E72-47D4-9474-3BDA719DD7A3}" dt="2023-06-05T21:19:49.549" v="914"/>
+          <ac:spMkLst>
+            <pc:docMk/>
+            <pc:sldMk cId="2495756307" sldId="288"/>
+            <ac:spMk id="2" creationId="{E70CF78A-DD2B-4A3B-8915-621262C49D78}"/>
+          </ac:spMkLst>
+        </pc:spChg>
+        <pc:spChg chg="mod">
+          <ac:chgData name="Tung Kieu" userId="b4b21c43-520c-42f5-a1c6-1446bd617b0e" providerId="ADAL" clId="{8E65E9D7-4E72-47D4-9474-3BDA719DD7A3}" dt="2023-06-05T21:20:58.264" v="948" actId="27636"/>
+          <ac:spMkLst>
+            <pc:docMk/>
+            <pc:sldMk cId="2495756307" sldId="288"/>
+            <ac:spMk id="3" creationId="{E5E370A6-4E36-4E22-951E-79A305C4980F}"/>
+          </ac:spMkLst>
+        </pc:spChg>
+      </pc:sldChg>
+      <pc:sldChg chg="modSp add mod">
+        <pc:chgData name="Tung Kieu" userId="b4b21c43-520c-42f5-a1c6-1446bd617b0e" providerId="ADAL" clId="{8E65E9D7-4E72-47D4-9474-3BDA719DD7A3}" dt="2023-06-05T21:21:05.036" v="951"/>
+        <pc:sldMkLst>
+          <pc:docMk/>
+          <pc:sldMk cId="3944126863" sldId="289"/>
+        </pc:sldMkLst>
+        <pc:spChg chg="mod">
+          <ac:chgData name="Tung Kieu" userId="b4b21c43-520c-42f5-a1c6-1446bd617b0e" providerId="ADAL" clId="{8E65E9D7-4E72-47D4-9474-3BDA719DD7A3}" dt="2023-06-05T21:21:05.036" v="951"/>
+          <ac:spMkLst>
+            <pc:docMk/>
+            <pc:sldMk cId="3944126863" sldId="289"/>
+            <ac:spMk id="3" creationId="{E5E370A6-4E36-4E22-951E-79A305C4980F}"/>
+          </ac:spMkLst>
+        </pc:spChg>
+      </pc:sldChg>
+      <pc:sldChg chg="modSp new mod">
+        <pc:chgData name="Tung Kieu" userId="b4b21c43-520c-42f5-a1c6-1446bd617b0e" providerId="ADAL" clId="{8E65E9D7-4E72-47D4-9474-3BDA719DD7A3}" dt="2023-06-05T21:22:20.795" v="988" actId="27636"/>
+        <pc:sldMkLst>
+          <pc:docMk/>
+          <pc:sldMk cId="673781499" sldId="290"/>
+        </pc:sldMkLst>
+        <pc:spChg chg="mod">
+          <ac:chgData name="Tung Kieu" userId="b4b21c43-520c-42f5-a1c6-1446bd617b0e" providerId="ADAL" clId="{8E65E9D7-4E72-47D4-9474-3BDA719DD7A3}" dt="2023-06-05T21:21:30.030" v="954"/>
+          <ac:spMkLst>
+            <pc:docMk/>
+            <pc:sldMk cId="673781499" sldId="290"/>
+            <ac:spMk id="2" creationId="{62981BBE-358F-476B-A430-D3041AD6A4A5}"/>
+          </ac:spMkLst>
+        </pc:spChg>
+        <pc:spChg chg="mod">
+          <ac:chgData name="Tung Kieu" userId="b4b21c43-520c-42f5-a1c6-1446bd617b0e" providerId="ADAL" clId="{8E65E9D7-4E72-47D4-9474-3BDA719DD7A3}" dt="2023-06-05T21:22:20.795" v="988" actId="27636"/>
+          <ac:spMkLst>
+            <pc:docMk/>
+            <pc:sldMk cId="673781499" sldId="290"/>
+            <ac:spMk id="3" creationId="{CC46DE72-E758-42CA-B83C-EAE7DEBA8F73}"/>
+          </ac:spMkLst>
+        </pc:spChg>
+      </pc:sldChg>
+      <pc:sldChg chg="modSp add mod">
+        <pc:chgData name="Tung Kieu" userId="b4b21c43-520c-42f5-a1c6-1446bd617b0e" providerId="ADAL" clId="{8E65E9D7-4E72-47D4-9474-3BDA719DD7A3}" dt="2023-06-05T21:23:46.545" v="1013" actId="6549"/>
+        <pc:sldMkLst>
+          <pc:docMk/>
+          <pc:sldMk cId="2195717334" sldId="291"/>
+        </pc:sldMkLst>
+        <pc:spChg chg="mod">
+          <ac:chgData name="Tung Kieu" userId="b4b21c43-520c-42f5-a1c6-1446bd617b0e" providerId="ADAL" clId="{8E65E9D7-4E72-47D4-9474-3BDA719DD7A3}" dt="2023-06-05T21:23:07.520" v="991"/>
+          <ac:spMkLst>
+            <pc:docMk/>
+            <pc:sldMk cId="2195717334" sldId="291"/>
+            <ac:spMk id="2" creationId="{62981BBE-358F-476B-A430-D3041AD6A4A5}"/>
+          </ac:spMkLst>
+        </pc:spChg>
+        <pc:spChg chg="mod">
+          <ac:chgData name="Tung Kieu" userId="b4b21c43-520c-42f5-a1c6-1446bd617b0e" providerId="ADAL" clId="{8E65E9D7-4E72-47D4-9474-3BDA719DD7A3}" dt="2023-06-05T21:23:46.545" v="1013" actId="6549"/>
+          <ac:spMkLst>
+            <pc:docMk/>
+            <pc:sldMk cId="2195717334" sldId="291"/>
+            <ac:spMk id="3" creationId="{CC46DE72-E758-42CA-B83C-EAE7DEBA8F73}"/>
+          </ac:spMkLst>
+        </pc:spChg>
+      </pc:sldChg>
+      <pc:sldChg chg="modSp new del mod">
+        <pc:chgData name="Tung Kieu" userId="b4b21c43-520c-42f5-a1c6-1446bd617b0e" providerId="ADAL" clId="{8E65E9D7-4E72-47D4-9474-3BDA719DD7A3}" dt="2023-06-05T21:24:51.482" v="1020" actId="2696"/>
+        <pc:sldMkLst>
+          <pc:docMk/>
+          <pc:sldMk cId="2566542504" sldId="292"/>
+        </pc:sldMkLst>
+        <pc:spChg chg="mod">
+          <ac:chgData name="Tung Kieu" userId="b4b21c43-520c-42f5-a1c6-1446bd617b0e" providerId="ADAL" clId="{8E65E9D7-4E72-47D4-9474-3BDA719DD7A3}" dt="2023-06-05T21:24:42.002" v="1019" actId="20577"/>
+          <ac:spMkLst>
+            <pc:docMk/>
+            <pc:sldMk cId="2566542504" sldId="292"/>
+            <ac:spMk id="3" creationId="{8E8C475E-CA7F-4C8E-A056-C55A5E1DA568}"/>
+          </ac:spMkLst>
+        </pc:spChg>
+      </pc:sldChg>
+      <pc:sldChg chg="modSp new mod">
+        <pc:chgData name="Tung Kieu" userId="b4b21c43-520c-42f5-a1c6-1446bd617b0e" providerId="ADAL" clId="{8E65E9D7-4E72-47D4-9474-3BDA719DD7A3}" dt="2023-06-05T21:25:51.597" v="1040" actId="15"/>
+        <pc:sldMkLst>
+          <pc:docMk/>
+          <pc:sldMk cId="4011134635" sldId="292"/>
+        </pc:sldMkLst>
+        <pc:spChg chg="mod">
+          <ac:chgData name="Tung Kieu" userId="b4b21c43-520c-42f5-a1c6-1446bd617b0e" providerId="ADAL" clId="{8E65E9D7-4E72-47D4-9474-3BDA719DD7A3}" dt="2023-06-05T21:25:29.502" v="1023"/>
+          <ac:spMkLst>
+            <pc:docMk/>
+            <pc:sldMk cId="4011134635" sldId="292"/>
+            <ac:spMk id="2" creationId="{9C361110-6E6B-4C4F-81AC-B84CDD45F129}"/>
+          </ac:spMkLst>
+        </pc:spChg>
+        <pc:spChg chg="mod">
+          <ac:chgData name="Tung Kieu" userId="b4b21c43-520c-42f5-a1c6-1446bd617b0e" providerId="ADAL" clId="{8E65E9D7-4E72-47D4-9474-3BDA719DD7A3}" dt="2023-06-05T21:25:51.597" v="1040" actId="15"/>
+          <ac:spMkLst>
+            <pc:docMk/>
+            <pc:sldMk cId="4011134635" sldId="292"/>
+            <ac:spMk id="3" creationId="{8F720154-492B-4501-8D46-1BB8FF75A5CA}"/>
+          </ac:spMkLst>
+        </pc:spChg>
+      </pc:sldChg>
+      <pc:sldChg chg="addSp delSp modSp add mod">
+        <pc:chgData name="Tung Kieu" userId="b4b21c43-520c-42f5-a1c6-1446bd617b0e" providerId="ADAL" clId="{8E65E9D7-4E72-47D4-9474-3BDA719DD7A3}" dt="2023-06-05T21:28:35.187" v="1096" actId="1076"/>
+        <pc:sldMkLst>
+          <pc:docMk/>
+          <pc:sldMk cId="722895553" sldId="293"/>
+        </pc:sldMkLst>
+        <pc:spChg chg="mod">
+          <ac:chgData name="Tung Kieu" userId="b4b21c43-520c-42f5-a1c6-1446bd617b0e" providerId="ADAL" clId="{8E65E9D7-4E72-47D4-9474-3BDA719DD7A3}" dt="2023-06-05T21:26:51.522" v="1055" actId="20577"/>
+          <ac:spMkLst>
+            <pc:docMk/>
+            <pc:sldMk cId="722895553" sldId="293"/>
+            <ac:spMk id="2" creationId="{9C361110-6E6B-4C4F-81AC-B84CDD45F129}"/>
+          </ac:spMkLst>
+        </pc:spChg>
+        <pc:spChg chg="del mod">
+          <ac:chgData name="Tung Kieu" userId="b4b21c43-520c-42f5-a1c6-1446bd617b0e" providerId="ADAL" clId="{8E65E9D7-4E72-47D4-9474-3BDA719DD7A3}" dt="2023-06-05T21:26:20.839" v="1044" actId="478"/>
+          <ac:spMkLst>
+            <pc:docMk/>
+            <pc:sldMk cId="722895553" sldId="293"/>
+            <ac:spMk id="3" creationId="{8F720154-492B-4501-8D46-1BB8FF75A5CA}"/>
+          </ac:spMkLst>
+        </pc:spChg>
+        <pc:picChg chg="add mod">
+          <ac:chgData name="Tung Kieu" userId="b4b21c43-520c-42f5-a1c6-1446bd617b0e" providerId="ADAL" clId="{8E65E9D7-4E72-47D4-9474-3BDA719DD7A3}" dt="2023-06-05T21:28:20.827" v="1093" actId="1076"/>
+          <ac:picMkLst>
+            <pc:docMk/>
+            <pc:sldMk cId="722895553" sldId="293"/>
+            <ac:picMk id="4" creationId="{846CD7C2-AF82-4A6F-82DF-A94A7F5436CB}"/>
+          </ac:picMkLst>
+        </pc:picChg>
+        <pc:picChg chg="add mod">
+          <ac:chgData name="Tung Kieu" userId="b4b21c43-520c-42f5-a1c6-1446bd617b0e" providerId="ADAL" clId="{8E65E9D7-4E72-47D4-9474-3BDA719DD7A3}" dt="2023-06-05T21:28:35.187" v="1096" actId="1076"/>
+          <ac:picMkLst>
+            <pc:docMk/>
+            <pc:sldMk cId="722895553" sldId="293"/>
+            <ac:picMk id="5" creationId="{8BF9E955-CA92-4DEB-9E25-091E12BB9E9F}"/>
+          </ac:picMkLst>
+        </pc:picChg>
+      </pc:sldChg>
+      <pc:sldChg chg="modSp new mod">
+        <pc:chgData name="Tung Kieu" userId="b4b21c43-520c-42f5-a1c6-1446bd617b0e" providerId="ADAL" clId="{8E65E9D7-4E72-47D4-9474-3BDA719DD7A3}" dt="2023-06-05T21:27:45.525" v="1088" actId="20577"/>
+        <pc:sldMkLst>
+          <pc:docMk/>
+          <pc:sldMk cId="2786468474" sldId="294"/>
+        </pc:sldMkLst>
+        <pc:spChg chg="mod">
+          <ac:chgData name="Tung Kieu" userId="b4b21c43-520c-42f5-a1c6-1446bd617b0e" providerId="ADAL" clId="{8E65E9D7-4E72-47D4-9474-3BDA719DD7A3}" dt="2023-06-05T21:27:02.408" v="1057"/>
+          <ac:spMkLst>
+            <pc:docMk/>
+            <pc:sldMk cId="2786468474" sldId="294"/>
+            <ac:spMk id="2" creationId="{19816A65-1560-4554-A27C-D79BFA189BD4}"/>
+          </ac:spMkLst>
+        </pc:spChg>
+        <pc:spChg chg="mod">
+          <ac:chgData name="Tung Kieu" userId="b4b21c43-520c-42f5-a1c6-1446bd617b0e" providerId="ADAL" clId="{8E65E9D7-4E72-47D4-9474-3BDA719DD7A3}" dt="2023-06-05T21:27:45.525" v="1088" actId="20577"/>
+          <ac:spMkLst>
+            <pc:docMk/>
+            <pc:sldMk cId="2786468474" sldId="294"/>
+            <ac:spMk id="3" creationId="{0C5B33C7-AB61-412C-A7CC-25369963B856}"/>
+          </ac:spMkLst>
+        </pc:spChg>
+      </pc:sldChg>
+      <pc:sldChg chg="addSp modSp new mod">
+        <pc:chgData name="Tung Kieu" userId="b4b21c43-520c-42f5-a1c6-1446bd617b0e" providerId="ADAL" clId="{8E65E9D7-4E72-47D4-9474-3BDA719DD7A3}" dt="2023-06-05T21:31:02.892" v="1139" actId="14100"/>
+        <pc:sldMkLst>
+          <pc:docMk/>
+          <pc:sldMk cId="987549846" sldId="295"/>
+        </pc:sldMkLst>
+        <pc:spChg chg="mod">
+          <ac:chgData name="Tung Kieu" userId="b4b21c43-520c-42f5-a1c6-1446bd617b0e" providerId="ADAL" clId="{8E65E9D7-4E72-47D4-9474-3BDA719DD7A3}" dt="2023-06-05T21:29:02.409" v="1111" actId="20577"/>
+          <ac:spMkLst>
+            <pc:docMk/>
+            <pc:sldMk cId="987549846" sldId="295"/>
+            <ac:spMk id="2" creationId="{9086112F-C583-4208-86A0-3803E2AC7C38}"/>
+          </ac:spMkLst>
+        </pc:spChg>
+        <pc:spChg chg="mod">
+          <ac:chgData name="Tung Kieu" userId="b4b21c43-520c-42f5-a1c6-1446bd617b0e" providerId="ADAL" clId="{8E65E9D7-4E72-47D4-9474-3BDA719DD7A3}" dt="2023-06-05T21:30:24.572" v="1133" actId="14100"/>
+          <ac:spMkLst>
+            <pc:docMk/>
+            <pc:sldMk cId="987549846" sldId="295"/>
+            <ac:spMk id="3" creationId="{FEFB934C-A517-404E-9C98-7C5573222870}"/>
+          </ac:spMkLst>
+        </pc:spChg>
+        <pc:picChg chg="add mod">
+          <ac:chgData name="Tung Kieu" userId="b4b21c43-520c-42f5-a1c6-1446bd617b0e" providerId="ADAL" clId="{8E65E9D7-4E72-47D4-9474-3BDA719DD7A3}" dt="2023-06-05T21:30:26.563" v="1134" actId="1076"/>
+          <ac:picMkLst>
+            <pc:docMk/>
+            <pc:sldMk cId="987549846" sldId="295"/>
+            <ac:picMk id="4" creationId="{CB2137CE-0510-49B8-AED4-5F20FEE4FABD}"/>
+          </ac:picMkLst>
+        </pc:picChg>
+        <pc:picChg chg="add mod">
+          <ac:chgData name="Tung Kieu" userId="b4b21c43-520c-42f5-a1c6-1446bd617b0e" providerId="ADAL" clId="{8E65E9D7-4E72-47D4-9474-3BDA719DD7A3}" dt="2023-06-05T21:31:02.892" v="1139" actId="14100"/>
+          <ac:picMkLst>
+            <pc:docMk/>
+            <pc:sldMk cId="987549846" sldId="295"/>
+            <ac:picMk id="5" creationId="{E2B0B591-D57B-475C-B7A3-B50CFF68962B}"/>
+          </ac:picMkLst>
+        </pc:picChg>
+      </pc:sldChg>
+      <pc:sldChg chg="modSp new mod">
+        <pc:chgData name="Tung Kieu" userId="b4b21c43-520c-42f5-a1c6-1446bd617b0e" providerId="ADAL" clId="{8E65E9D7-4E72-47D4-9474-3BDA719DD7A3}" dt="2023-06-05T21:33:03.670" v="1153"/>
+        <pc:sldMkLst>
+          <pc:docMk/>
+          <pc:sldMk cId="1779299786" sldId="296"/>
+        </pc:sldMkLst>
+        <pc:spChg chg="mod">
+          <ac:chgData name="Tung Kieu" userId="b4b21c43-520c-42f5-a1c6-1446bd617b0e" providerId="ADAL" clId="{8E65E9D7-4E72-47D4-9474-3BDA719DD7A3}" dt="2023-06-05T21:33:03.670" v="1153"/>
+          <ac:spMkLst>
+            <pc:docMk/>
+            <pc:sldMk cId="1779299786" sldId="296"/>
+            <ac:spMk id="2" creationId="{E6177772-3BB3-462D-858C-2BF68AB9E644}"/>
+          </ac:spMkLst>
+        </pc:spChg>
+        <pc:spChg chg="mod">
+          <ac:chgData name="Tung Kieu" userId="b4b21c43-520c-42f5-a1c6-1446bd617b0e" providerId="ADAL" clId="{8E65E9D7-4E72-47D4-9474-3BDA719DD7A3}" dt="2023-06-05T21:32:59.028" v="1151"/>
+          <ac:spMkLst>
+            <pc:docMk/>
+            <pc:sldMk cId="1779299786" sldId="296"/>
+            <ac:spMk id="3" creationId="{EC963100-6DED-4864-B9E9-975501101DFE}"/>
+          </ac:spMkLst>
+        </pc:spChg>
+      </pc:sldChg>
     </pc:docChg>
   </pc:docChgLst>
   <pc:docChgLst>
@@ -4176,7 +4176,7 @@
           <a:p>
             <a:fld id="{09ACB29A-A6F2-4D9E-AC31-55BC9F5BB236}" type="datetimeFigureOut">
               <a:rPr lang="en-US" smtClean="0"/>
-              <a:t>6/19/2023</a:t>
+              <a:t>7/11/2023</a:t>
             </a:fld>
             <a:endParaRPr lang="en-US"/>
           </a:p>
@@ -4374,7 +4374,7 @@
           <a:p>
             <a:fld id="{09ACB29A-A6F2-4D9E-AC31-55BC9F5BB236}" type="datetimeFigureOut">
               <a:rPr lang="en-US" smtClean="0"/>
-              <a:t>6/19/2023</a:t>
+              <a:t>7/11/2023</a:t>
             </a:fld>
             <a:endParaRPr lang="en-US"/>
           </a:p>
@@ -4582,7 +4582,7 @@
           <a:p>
             <a:fld id="{09ACB29A-A6F2-4D9E-AC31-55BC9F5BB236}" type="datetimeFigureOut">
               <a:rPr lang="en-US" smtClean="0"/>
-              <a:t>6/19/2023</a:t>
+              <a:t>7/11/2023</a:t>
             </a:fld>
             <a:endParaRPr lang="en-US"/>
           </a:p>
@@ -4831,7 +4831,7 @@
           <a:p>
             <a:fld id="{09ACB29A-A6F2-4D9E-AC31-55BC9F5BB236}" type="datetimeFigureOut">
               <a:rPr lang="en-US" smtClean="0"/>
-              <a:t>6/19/2023</a:t>
+              <a:t>7/11/2023</a:t>
             </a:fld>
             <a:endParaRPr lang="en-US"/>
           </a:p>
@@ -5113,7 +5113,7 @@
           <a:p>
             <a:fld id="{09ACB29A-A6F2-4D9E-AC31-55BC9F5BB236}" type="datetimeFigureOut">
               <a:rPr lang="en-US" smtClean="0"/>
-              <a:t>6/19/2023</a:t>
+              <a:t>7/11/2023</a:t>
             </a:fld>
             <a:endParaRPr lang="en-US"/>
           </a:p>
@@ -5458,7 +5458,7 @@
           <a:p>
             <a:fld id="{09ACB29A-A6F2-4D9E-AC31-55BC9F5BB236}" type="datetimeFigureOut">
               <a:rPr lang="en-US" smtClean="0"/>
-              <a:t>6/19/2023</a:t>
+              <a:t>7/11/2023</a:t>
             </a:fld>
             <a:endParaRPr lang="en-US"/>
           </a:p>
@@ -5958,7 +5958,7 @@
           <a:p>
             <a:fld id="{09ACB29A-A6F2-4D9E-AC31-55BC9F5BB236}" type="datetimeFigureOut">
               <a:rPr lang="en-US" smtClean="0"/>
-              <a:t>6/19/2023</a:t>
+              <a:t>7/11/2023</a:t>
             </a:fld>
             <a:endParaRPr lang="en-US"/>
           </a:p>
@@ -6099,7 +6099,7 @@
           <a:p>
             <a:fld id="{09ACB29A-A6F2-4D9E-AC31-55BC9F5BB236}" type="datetimeFigureOut">
               <a:rPr lang="en-US" smtClean="0"/>
-              <a:t>6/19/2023</a:t>
+              <a:t>7/11/2023</a:t>
             </a:fld>
             <a:endParaRPr lang="en-US"/>
           </a:p>
@@ -6212,7 +6212,7 @@
           <a:p>
             <a:fld id="{09ACB29A-A6F2-4D9E-AC31-55BC9F5BB236}" type="datetimeFigureOut">
               <a:rPr lang="en-US" smtClean="0"/>
-              <a:t>6/19/2023</a:t>
+              <a:t>7/11/2023</a:t>
             </a:fld>
             <a:endParaRPr lang="en-US"/>
           </a:p>
@@ -6523,7 +6523,7 @@
           <a:p>
             <a:fld id="{09ACB29A-A6F2-4D9E-AC31-55BC9F5BB236}" type="datetimeFigureOut">
               <a:rPr lang="en-US" smtClean="0"/>
-              <a:t>6/19/2023</a:t>
+              <a:t>7/11/2023</a:t>
             </a:fld>
             <a:endParaRPr lang="en-US"/>
           </a:p>
@@ -6811,7 +6811,7 @@
           <a:p>
             <a:fld id="{09ACB29A-A6F2-4D9E-AC31-55BC9F5BB236}" type="datetimeFigureOut">
               <a:rPr lang="en-US" smtClean="0"/>
-              <a:t>6/19/2023</a:t>
+              <a:t>7/11/2023</a:t>
             </a:fld>
             <a:endParaRPr lang="en-US"/>
           </a:p>
@@ -7052,7 +7052,7 @@
           <a:p>
             <a:fld id="{09ACB29A-A6F2-4D9E-AC31-55BC9F5BB236}" type="datetimeFigureOut">
               <a:rPr lang="en-US" smtClean="0"/>
-              <a:t>6/19/2023</a:t>
+              <a:t>7/11/2023</a:t>
             </a:fld>
             <a:endParaRPr lang="en-US"/>
           </a:p>
@@ -11270,7 +11270,12 @@
             <p:ph type="title"/>
           </p:nvPr>
         </p:nvSpPr>
-        <p:spPr/>
+        <p:spPr>
+          <a:xfrm>
+            <a:off x="1014046" y="-1143655"/>
+            <a:ext cx="10515600" cy="1325563"/>
+          </a:xfrm>
+        </p:spPr>
         <p:txBody>
           <a:bodyPr/>
           <a:lstStyle/>
@@ -11328,8 +11333,8 @@
         </p:nvSpPr>
         <p:spPr>
           <a:xfrm>
-            <a:off x="3048000" y="1989035"/>
-            <a:ext cx="6096000" cy="2042097"/>
+            <a:off x="3047999" y="2382220"/>
+            <a:ext cx="8909538" cy="1255728"/>
           </a:xfrm>
           <a:prstGeom prst="rect">
             <a:avLst/>
@@ -11352,45 +11357,27 @@
             </a:pPr>
             <a:r>
               <a:rPr lang="en-US" sz="2800" dirty="0">
-                <a:latin typeface="CMU Serif" panose="02000603000000000000" pitchFamily="50" charset="0"/>
+                <a:latin typeface="Times New Roman" panose="02020603050405020304" pitchFamily="18" charset="0"/>
                 <a:ea typeface="CMU Serif" panose="02000603000000000000" pitchFamily="50" charset="0"/>
-                <a:cs typeface="CMU Serif" panose="02000603000000000000" pitchFamily="50" charset="0"/>
+                <a:cs typeface="Times New Roman" panose="02020603050405020304" pitchFamily="18" charset="0"/>
               </a:rPr>
               <a:t>An </a:t>
             </a:r>
             <a:r>
               <a:rPr lang="en-US" sz="2800" b="1" dirty="0">
-                <a:latin typeface="CMU Serif" panose="02000603000000000000" pitchFamily="50" charset="0"/>
+                <a:latin typeface="Times New Roman" panose="02020603050405020304" pitchFamily="18" charset="0"/>
                 <a:ea typeface="CMU Serif" panose="02000603000000000000" pitchFamily="50" charset="0"/>
-                <a:cs typeface="CMU Serif" panose="02000603000000000000" pitchFamily="50" charset="0"/>
+                <a:cs typeface="Times New Roman" panose="02020603050405020304" pitchFamily="18" charset="0"/>
               </a:rPr>
               <a:t>actor</a:t>
             </a:r>
             <a:r>
               <a:rPr lang="en-US" sz="2800" dirty="0">
-                <a:latin typeface="CMU Serif" panose="02000603000000000000" pitchFamily="50" charset="0"/>
+                <a:latin typeface="Times New Roman" panose="02020603050405020304" pitchFamily="18" charset="0"/>
                 <a:ea typeface="CMU Serif" panose="02000603000000000000" pitchFamily="50" charset="0"/>
-                <a:cs typeface="CMU Serif" panose="02000603000000000000" pitchFamily="50" charset="0"/>
+                <a:cs typeface="Times New Roman" panose="02020603050405020304" pitchFamily="18" charset="0"/>
               </a:rPr>
-              <a:t> is a user of a system in a </a:t>
-            </a:r>
-          </a:p>
-          <a:p>
-            <a:pPr>
-              <a:lnSpc>
-                <a:spcPct val="90000"/>
-              </a:lnSpc>
-              <a:spcBef>
-                <a:spcPct val="0"/>
-              </a:spcBef>
-            </a:pPr>
-            <a:r>
-              <a:rPr lang="en-US" sz="2800" dirty="0">
-                <a:latin typeface="CMU Serif" panose="02000603000000000000" pitchFamily="50" charset="0"/>
-                <a:ea typeface="CMU Serif" panose="02000603000000000000" pitchFamily="50" charset="0"/>
-                <a:cs typeface="CMU Serif" panose="02000603000000000000" pitchFamily="50" charset="0"/>
-              </a:rPr>
-              <a:t>particular role.</a:t>
+              <a:t> is a user of a system in a particular role.</a:t>
             </a:r>
           </a:p>
           <a:p>
@@ -11403,9 +11390,9 @@
               </a:spcBef>
             </a:pPr>
             <a:endParaRPr lang="en-US" sz="2800" dirty="0">
-              <a:latin typeface="CMU Serif" panose="02000603000000000000" pitchFamily="50" charset="0"/>
+              <a:latin typeface="Times New Roman" panose="02020603050405020304" pitchFamily="18" charset="0"/>
               <a:ea typeface="CMU Serif" panose="02000603000000000000" pitchFamily="50" charset="0"/>
-              <a:cs typeface="CMU Serif" panose="02000603000000000000" pitchFamily="50" charset="0"/>
+              <a:cs typeface="Times New Roman" panose="02020603050405020304" pitchFamily="18" charset="0"/>
             </a:endParaRPr>
           </a:p>
           <a:p>
@@ -11419,25 +11406,25 @@
             </a:pPr>
             <a:r>
               <a:rPr lang="en-US" sz="2800" dirty="0">
-                <a:latin typeface="CMU Serif" panose="02000603000000000000" pitchFamily="50" charset="0"/>
+                <a:latin typeface="Times New Roman" panose="02020603050405020304" pitchFamily="18" charset="0"/>
                 <a:ea typeface="CMU Serif" panose="02000603000000000000" pitchFamily="50" charset="0"/>
-                <a:cs typeface="CMU Serif" panose="02000603000000000000" pitchFamily="50" charset="0"/>
+                <a:cs typeface="Times New Roman" panose="02020603050405020304" pitchFamily="18" charset="0"/>
               </a:rPr>
               <a:t>An </a:t>
             </a:r>
             <a:r>
               <a:rPr lang="en-US" sz="2800" b="1" dirty="0">
-                <a:latin typeface="CMU Serif" panose="02000603000000000000" pitchFamily="50" charset="0"/>
+                <a:latin typeface="Times New Roman" panose="02020603050405020304" pitchFamily="18" charset="0"/>
                 <a:ea typeface="CMU Serif" panose="02000603000000000000" pitchFamily="50" charset="0"/>
-                <a:cs typeface="CMU Serif" panose="02000603000000000000" pitchFamily="50" charset="0"/>
+                <a:cs typeface="Times New Roman" panose="02020603050405020304" pitchFamily="18" charset="0"/>
               </a:rPr>
               <a:t>actor</a:t>
             </a:r>
             <a:r>
               <a:rPr lang="en-US" sz="2800" dirty="0">
-                <a:latin typeface="CMU Serif" panose="02000603000000000000" pitchFamily="50" charset="0"/>
+                <a:latin typeface="Times New Roman" panose="02020603050405020304" pitchFamily="18" charset="0"/>
                 <a:ea typeface="CMU Serif" panose="02000603000000000000" pitchFamily="50" charset="0"/>
-                <a:cs typeface="CMU Serif" panose="02000603000000000000" pitchFamily="50" charset="0"/>
+                <a:cs typeface="Times New Roman" panose="02020603050405020304" pitchFamily="18" charset="0"/>
               </a:rPr>
               <a:t> can be human or an external system.</a:t>
             </a:r>
@@ -11488,8 +11475,8 @@
         </p:nvSpPr>
         <p:spPr>
           <a:xfrm>
-            <a:off x="3048000" y="4721805"/>
-            <a:ext cx="6096000" cy="1266501"/>
+            <a:off x="3048000" y="5221078"/>
+            <a:ext cx="8909537" cy="867930"/>
           </a:xfrm>
           <a:prstGeom prst="rect">
             <a:avLst/>
@@ -11512,63 +11499,27 @@
             </a:pPr>
             <a:r>
               <a:rPr lang="en-US" sz="2800" dirty="0">
-                <a:latin typeface="CMU Serif" panose="02000603000000000000" pitchFamily="50" charset="0"/>
+                <a:latin typeface="Times New Roman" panose="02020603050405020304" pitchFamily="18" charset="0"/>
                 <a:ea typeface="CMU Serif" panose="02000603000000000000" pitchFamily="50" charset="0"/>
-                <a:cs typeface="CMU Serif" panose="02000603000000000000" pitchFamily="50" charset="0"/>
+                <a:cs typeface="Times New Roman" panose="02020603050405020304" pitchFamily="18" charset="0"/>
               </a:rPr>
               <a:t>A </a:t>
             </a:r>
             <a:r>
               <a:rPr lang="en-US" sz="2800" b="1" dirty="0">
-                <a:latin typeface="CMU Serif" panose="02000603000000000000" pitchFamily="50" charset="0"/>
+                <a:latin typeface="Times New Roman" panose="02020603050405020304" pitchFamily="18" charset="0"/>
                 <a:ea typeface="CMU Serif" panose="02000603000000000000" pitchFamily="50" charset="0"/>
-                <a:cs typeface="CMU Serif" panose="02000603000000000000" pitchFamily="50" charset="0"/>
+                <a:cs typeface="Times New Roman" panose="02020603050405020304" pitchFamily="18" charset="0"/>
               </a:rPr>
               <a:t>use case </a:t>
             </a:r>
             <a:r>
               <a:rPr lang="en-US" sz="2800" dirty="0">
-                <a:latin typeface="CMU Serif" panose="02000603000000000000" pitchFamily="50" charset="0"/>
+                <a:latin typeface="Times New Roman" panose="02020603050405020304" pitchFamily="18" charset="0"/>
                 <a:ea typeface="CMU Serif" panose="02000603000000000000" pitchFamily="50" charset="0"/>
-                <a:cs typeface="CMU Serif" panose="02000603000000000000" pitchFamily="50" charset="0"/>
+                <a:cs typeface="Times New Roman" panose="02020603050405020304" pitchFamily="18" charset="0"/>
               </a:rPr>
-              <a:t>is a task that an actor </a:t>
-            </a:r>
-          </a:p>
-          <a:p>
-            <a:pPr>
-              <a:lnSpc>
-                <a:spcPct val="90000"/>
-              </a:lnSpc>
-              <a:spcBef>
-                <a:spcPct val="0"/>
-              </a:spcBef>
-            </a:pPr>
-            <a:r>
-              <a:rPr lang="en-US" sz="2800" dirty="0">
-                <a:latin typeface="CMU Serif" panose="02000603000000000000" pitchFamily="50" charset="0"/>
-                <a:ea typeface="CMU Serif" panose="02000603000000000000" pitchFamily="50" charset="0"/>
-                <a:cs typeface="CMU Serif" panose="02000603000000000000" pitchFamily="50" charset="0"/>
-              </a:rPr>
-              <a:t>needs to perform with the help of the  </a:t>
-            </a:r>
-          </a:p>
-          <a:p>
-            <a:pPr>
-              <a:lnSpc>
-                <a:spcPct val="90000"/>
-              </a:lnSpc>
-              <a:spcBef>
-                <a:spcPct val="0"/>
-              </a:spcBef>
-            </a:pPr>
-            <a:r>
-              <a:rPr lang="en-US" sz="2800" dirty="0">
-                <a:latin typeface="CMU Serif" panose="02000603000000000000" pitchFamily="50" charset="0"/>
-                <a:ea typeface="CMU Serif" panose="02000603000000000000" pitchFamily="50" charset="0"/>
-                <a:cs typeface="CMU Serif" panose="02000603000000000000" pitchFamily="50" charset="0"/>
-              </a:rPr>
-              <a:t>system</a:t>
+              <a:t>is a task that an actor needs to perform with the help of the system</a:t>
             </a:r>
           </a:p>
         </p:txBody>
@@ -13393,7 +13344,12 @@
             <p:ph type="title"/>
           </p:nvPr>
         </p:nvSpPr>
-        <p:spPr/>
+        <p:spPr>
+          <a:xfrm>
+            <a:off x="838200" y="371840"/>
+            <a:ext cx="10515600" cy="1325563"/>
+          </a:xfrm>
+        </p:spPr>
         <p:txBody>
           <a:bodyPr/>
           <a:lstStyle/>
@@ -14445,7 +14401,12 @@
             <p:ph type="title"/>
           </p:nvPr>
         </p:nvSpPr>
-        <p:spPr/>
+        <p:spPr>
+          <a:xfrm>
+            <a:off x="784926" y="-1038135"/>
+            <a:ext cx="10515600" cy="1325563"/>
+          </a:xfrm>
+        </p:spPr>
         <p:txBody>
           <a:bodyPr/>
           <a:lstStyle/>
@@ -14473,13 +14434,24 @@
             <p:ph idx="1"/>
           </p:nvPr>
         </p:nvSpPr>
-        <p:spPr/>
+        <p:spPr>
+          <a:xfrm>
+            <a:off x="838200" y="1825625"/>
+            <a:ext cx="11079480" cy="4351338"/>
+          </a:xfrm>
+        </p:spPr>
         <p:txBody>
           <a:bodyPr/>
           <a:lstStyle/>
           <a:p>
-            <a:r>
-              <a:rPr lang="en-US" dirty="0"/>
+            <a:pPr marL="0" indent="0">
+              <a:buNone/>
+            </a:pPr>
+            <a:r>
+              <a:rPr lang="en-US" dirty="0">
+                <a:latin typeface="Times New Roman" panose="02020603050405020304" pitchFamily="18" charset="0"/>
+                <a:cs typeface="Times New Roman" panose="02020603050405020304" pitchFamily="18" charset="0"/>
+              </a:rPr>
               <a:t>An informal modeling technique to show the flow of data through a system</a:t>
             </a:r>
           </a:p>
@@ -14619,7 +14591,7 @@
         </p:nvSpPr>
         <p:spPr>
           <a:xfrm>
-            <a:off x="3922676" y="2995650"/>
+            <a:off x="3541606" y="2948311"/>
             <a:ext cx="2836333" cy="523220"/>
           </a:xfrm>
           <a:prstGeom prst="rect">
@@ -14635,9 +14607,9 @@
           <a:p>
             <a:r>
               <a:rPr lang="en-US" sz="2800" dirty="0">
-                <a:latin typeface="CMU Serif" panose="02000603000000000000" pitchFamily="2" charset="0"/>
+                <a:latin typeface="Times New Roman" panose="02020603050405020304" pitchFamily="18" charset="0"/>
                 <a:ea typeface="CMU Serif" panose="02000603000000000000" pitchFamily="2" charset="0"/>
-                <a:cs typeface="CMU Serif" panose="02000603000000000000" pitchFamily="2" charset="0"/>
+                <a:cs typeface="Times New Roman" panose="02020603050405020304" pitchFamily="18" charset="0"/>
               </a:rPr>
               <a:t>External entities </a:t>
             </a:r>
@@ -14658,7 +14630,7 @@
         </p:nvSpPr>
         <p:spPr>
           <a:xfrm>
-            <a:off x="3922675" y="4063086"/>
+            <a:off x="3541607" y="3909689"/>
             <a:ext cx="2836333" cy="523220"/>
           </a:xfrm>
           <a:prstGeom prst="rect">
@@ -14674,9 +14646,9 @@
           <a:p>
             <a:r>
               <a:rPr lang="en-US" sz="2800" dirty="0">
-                <a:latin typeface="CMU Serif" panose="02000603000000000000" pitchFamily="2" charset="0"/>
+                <a:latin typeface="Times New Roman" panose="02020603050405020304" pitchFamily="18" charset="0"/>
                 <a:ea typeface="CMU Serif" panose="02000603000000000000" pitchFamily="2" charset="0"/>
-                <a:cs typeface="CMU Serif" panose="02000603000000000000" pitchFamily="2" charset="0"/>
+                <a:cs typeface="Times New Roman" panose="02020603050405020304" pitchFamily="18" charset="0"/>
               </a:rPr>
               <a:t>Processing steps</a:t>
             </a:r>
@@ -14697,7 +14669,7 @@
         </p:nvSpPr>
         <p:spPr>
           <a:xfrm>
-            <a:off x="3922674" y="5057067"/>
+            <a:off x="3541606" y="5008277"/>
             <a:ext cx="3773526" cy="523220"/>
           </a:xfrm>
           <a:prstGeom prst="rect">
@@ -14713,9 +14685,9 @@
           <a:p>
             <a:r>
               <a:rPr lang="en-US" sz="2800" dirty="0">
-                <a:latin typeface="CMU Serif" panose="02000603000000000000" pitchFamily="2" charset="0"/>
+                <a:latin typeface="Times New Roman" panose="02020603050405020304" pitchFamily="18" charset="0"/>
                 <a:ea typeface="CMU Serif" panose="02000603000000000000" pitchFamily="2" charset="0"/>
-                <a:cs typeface="CMU Serif" panose="02000603000000000000" pitchFamily="2" charset="0"/>
+                <a:cs typeface="Times New Roman" panose="02020603050405020304" pitchFamily="18" charset="0"/>
               </a:rPr>
               <a:t>Data stores or sources</a:t>
             </a:r>
@@ -14736,7 +14708,7 @@
         </p:nvSpPr>
         <p:spPr>
           <a:xfrm>
-            <a:off x="3922673" y="5969655"/>
+            <a:off x="3541605" y="5941427"/>
             <a:ext cx="2836333" cy="523220"/>
           </a:xfrm>
           <a:prstGeom prst="rect">
@@ -14752,9 +14724,9 @@
           <a:p>
             <a:r>
               <a:rPr lang="en-US" sz="2800" dirty="0">
-                <a:latin typeface="CMU Serif" panose="02000603000000000000" pitchFamily="2" charset="0"/>
+                <a:latin typeface="Times New Roman" panose="02020603050405020304" pitchFamily="18" charset="0"/>
                 <a:ea typeface="CMU Serif" panose="02000603000000000000" pitchFamily="2" charset="0"/>
-                <a:cs typeface="CMU Serif" panose="02000603000000000000" pitchFamily="2" charset="0"/>
+                <a:cs typeface="Times New Roman" panose="02020603050405020304" pitchFamily="18" charset="0"/>
               </a:rPr>
               <a:t>Data flows</a:t>
             </a:r>
@@ -14891,8 +14863,8 @@
         </p:nvSpPr>
         <p:spPr>
           <a:xfrm>
-            <a:off x="3893621" y="4380315"/>
-            <a:ext cx="6773333" cy="707886"/>
+            <a:off x="2365910" y="5049588"/>
+            <a:ext cx="7460179" cy="677108"/>
           </a:xfrm>
           <a:prstGeom prst="rect">
             <a:avLst/>
@@ -14906,39 +14878,27 @@
           <a:lstStyle/>
           <a:p>
             <a:r>
-              <a:rPr lang="en-US" sz="2000" dirty="0">
-                <a:latin typeface="CMU Serif" panose="02000603000000000000" pitchFamily="2" charset="0"/>
-                <a:ea typeface="CMU Serif" panose="02000603000000000000" pitchFamily="2" charset="0"/>
-                <a:cs typeface="CMU Serif" panose="02000603000000000000" pitchFamily="2" charset="0"/>
+              <a:rPr lang="en-US" sz="1800" kern="100" dirty="0">
+                <a:effectLst/>
+                <a:latin typeface="Times New Roman" panose="02020603050405020304" pitchFamily="18" charset="0"/>
+                <a:ea typeface="Calibri" panose="020F0502020204030204" pitchFamily="34" charset="0"/>
+                <a:cs typeface="Times New Roman" panose="02020603050405020304" pitchFamily="18" charset="0"/>
               </a:rPr>
-              <a:t>Shows the flow, </a:t>
-            </a:r>
-            <a:r>
-              <a:rPr lang="en-US" dirty="0">
-                <a:latin typeface="CMU Serif" panose="02000603000000000000" pitchFamily="2" charset="0"/>
-                <a:ea typeface="CMU Serif" panose="02000603000000000000" pitchFamily="2" charset="0"/>
-                <a:cs typeface="CMU Serif" panose="02000603000000000000" pitchFamily="2" charset="0"/>
-              </a:rPr>
-              <a:t>but</a:t>
-            </a:r>
-            <a:r>
-              <a:rPr lang="en-US" sz="2000" dirty="0">
-                <a:latin typeface="CMU Serif" panose="02000603000000000000" pitchFamily="2" charset="0"/>
-                <a:ea typeface="CMU Serif" panose="02000603000000000000" pitchFamily="2" charset="0"/>
-                <a:cs typeface="CMU Serif" panose="02000603000000000000" pitchFamily="2" charset="0"/>
-              </a:rPr>
-              <a:t> where is the data stored?</a:t>
-            </a:r>
-          </a:p>
-          <a:p>
-            <a:r>
-              <a:rPr lang="en-US" sz="2000" dirty="0">
-                <a:latin typeface="CMU Serif" panose="02000603000000000000" pitchFamily="2" charset="0"/>
-                <a:ea typeface="CMU Serif" panose="02000603000000000000" pitchFamily="2" charset="0"/>
-                <a:cs typeface="CMU Serif" panose="02000603000000000000" pitchFamily="2" charset="0"/>
-              </a:rPr>
-              <a:t>Is there supporting information?</a:t>
-            </a:r>
+              <a:t>Shows the flow, but where is the data stored? Is there supporting information?</a:t>
+            </a:r>
+            <a:endParaRPr lang="en-US" sz="1800" kern="100" dirty="0">
+              <a:effectLst/>
+              <a:latin typeface="Calibri" panose="020F0502020204030204" pitchFamily="34" charset="0"/>
+              <a:ea typeface="Calibri" panose="020F0502020204030204" pitchFamily="34" charset="0"/>
+              <a:cs typeface="Times New Roman" panose="02020603050405020304" pitchFamily="18" charset="0"/>
+            </a:endParaRPr>
+          </a:p>
+          <a:p>
+            <a:endParaRPr lang="en-US" sz="2000" dirty="0">
+              <a:latin typeface="CMU Serif" panose="02000603000000000000" pitchFamily="2" charset="0"/>
+              <a:ea typeface="CMU Serif" panose="02000603000000000000" pitchFamily="2" charset="0"/>
+              <a:cs typeface="CMU Serif" panose="02000603000000000000" pitchFamily="2" charset="0"/>
+            </a:endParaRPr>
           </a:p>
         </p:txBody>
       </p:sp>
@@ -15207,8 +15167,8 @@
         </p:nvSpPr>
         <p:spPr>
           <a:xfrm>
-            <a:off x="3843867" y="5988734"/>
-            <a:ext cx="4969934" cy="646331"/>
+            <a:off x="3843866" y="5988734"/>
+            <a:ext cx="8266071" cy="369332"/>
           </a:xfrm>
           <a:prstGeom prst="rect">
             <a:avLst/>
@@ -15227,17 +15187,7 @@
                 <a:ea typeface="CMU Serif" panose="02000603000000000000" pitchFamily="2" charset="0"/>
                 <a:cs typeface="CMU Serif" panose="02000603000000000000" pitchFamily="2" charset="0"/>
               </a:rPr>
-              <a:t>The requirements will need a description of the </a:t>
-            </a:r>
-          </a:p>
-          <a:p>
-            <a:r>
-              <a:rPr lang="en-US" dirty="0">
-                <a:latin typeface="CMU Serif" panose="02000603000000000000" pitchFamily="2" charset="0"/>
-                <a:ea typeface="CMU Serif" panose="02000603000000000000" pitchFamily="2" charset="0"/>
-                <a:cs typeface="CMU Serif" panose="02000603000000000000" pitchFamily="2" charset="0"/>
-              </a:rPr>
-              <a:t>decision-making process.</a:t>
+              <a:t>The requirements will need a description of the decision-making process.</a:t>
             </a:r>
           </a:p>
         </p:txBody>
@@ -15466,7 +15416,12 @@
             <p:ph type="title"/>
           </p:nvPr>
         </p:nvSpPr>
-        <p:spPr/>
+        <p:spPr>
+          <a:xfrm>
+            <a:off x="838200" y="314993"/>
+            <a:ext cx="10515600" cy="1325563"/>
+          </a:xfrm>
+        </p:spPr>
         <p:txBody>
           <a:bodyPr/>
           <a:lstStyle/>
@@ -15494,7 +15449,12 @@
             <p:ph idx="1"/>
           </p:nvPr>
         </p:nvSpPr>
-        <p:spPr/>
+        <p:spPr>
+          <a:xfrm>
+            <a:off x="838200" y="1827784"/>
+            <a:ext cx="10515600" cy="4351338"/>
+          </a:xfrm>
+        </p:spPr>
         <p:txBody>
           <a:bodyPr/>
           <a:lstStyle/>
@@ -15528,7 +15488,7 @@
         </p:blipFill>
         <p:spPr>
           <a:xfrm>
-            <a:off x="1820761" y="2822252"/>
+            <a:off x="1820761" y="2839849"/>
             <a:ext cx="1152025" cy="3738359"/>
           </a:xfrm>
           <a:prstGeom prst="rect">
@@ -15550,7 +15510,7 @@
         </p:nvSpPr>
         <p:spPr>
           <a:xfrm>
-            <a:off x="3217333" y="2973400"/>
+            <a:off x="2972786" y="2908367"/>
             <a:ext cx="6096000" cy="523220"/>
           </a:xfrm>
           <a:prstGeom prst="rect">
@@ -15566,9 +15526,9 @@
           <a:p>
             <a:r>
               <a:rPr lang="en-US" sz="2800" dirty="0">
-                <a:latin typeface="CMU Serif" panose="02000603000000000000" pitchFamily="2" charset="0"/>
+                <a:latin typeface="Times New Roman" panose="02020603050405020304" pitchFamily="18" charset="0"/>
                 <a:ea typeface="CMU Serif" panose="02000603000000000000" pitchFamily="2" charset="0"/>
-                <a:cs typeface="CMU Serif" panose="02000603000000000000" pitchFamily="2" charset="0"/>
+                <a:cs typeface="Times New Roman" panose="02020603050405020304" pitchFamily="18" charset="0"/>
               </a:rPr>
               <a:t>Operation</a:t>
             </a:r>
@@ -15589,7 +15549,7 @@
         </p:nvSpPr>
         <p:spPr>
           <a:xfrm>
-            <a:off x="3217333" y="4001294"/>
+            <a:off x="2972786" y="4003453"/>
             <a:ext cx="6096000" cy="523220"/>
           </a:xfrm>
           <a:prstGeom prst="rect">
@@ -15605,9 +15565,9 @@
           <a:p>
             <a:r>
               <a:rPr lang="en-US" sz="2800" dirty="0">
-                <a:latin typeface="CMU Serif" panose="02000603000000000000" pitchFamily="2" charset="0"/>
+                <a:latin typeface="Times New Roman" panose="02020603050405020304" pitchFamily="18" charset="0"/>
                 <a:ea typeface="CMU Serif" panose="02000603000000000000" pitchFamily="2" charset="0"/>
-                <a:cs typeface="CMU Serif" panose="02000603000000000000" pitchFamily="2" charset="0"/>
+                <a:cs typeface="Times New Roman" panose="02020603050405020304" pitchFamily="18" charset="0"/>
               </a:rPr>
               <a:t>Decision</a:t>
             </a:r>
@@ -15628,7 +15588,7 @@
         </p:nvSpPr>
         <p:spPr>
           <a:xfrm>
-            <a:off x="3217333" y="5089128"/>
+            <a:off x="2972786" y="5017677"/>
             <a:ext cx="6096000" cy="523220"/>
           </a:xfrm>
           <a:prstGeom prst="rect">
@@ -15644,11 +15604,19 @@
           <a:p>
             <a:r>
               <a:rPr lang="en-US" sz="2800" dirty="0">
+                <a:latin typeface="Times New Roman" panose="02020603050405020304" pitchFamily="18" charset="0"/>
+                <a:ea typeface="CMU Serif" panose="02000603000000000000" pitchFamily="2" charset="0"/>
+                <a:cs typeface="Times New Roman" panose="02020603050405020304" pitchFamily="18" charset="0"/>
+              </a:rPr>
+              <a:t>Manual</a:t>
+            </a:r>
+            <a:r>
+              <a:rPr lang="en-US" sz="2800" dirty="0">
                 <a:latin typeface="CMU Serif" panose="02000603000000000000" pitchFamily="2" charset="0"/>
                 <a:ea typeface="CMU Serif" panose="02000603000000000000" pitchFamily="2" charset="0"/>
                 <a:cs typeface="CMU Serif" panose="02000603000000000000" pitchFamily="2" charset="0"/>
               </a:rPr>
-              <a:t>Manual operation </a:t>
+              <a:t> operation </a:t>
             </a:r>
           </a:p>
         </p:txBody>
@@ -15667,7 +15635,7 @@
         </p:nvSpPr>
         <p:spPr>
           <a:xfrm>
-            <a:off x="3217333" y="6016389"/>
+            <a:off x="2972786" y="5915353"/>
             <a:ext cx="6096000" cy="523220"/>
           </a:xfrm>
           <a:prstGeom prst="rect">
@@ -15683,9 +15651,9 @@
           <a:p>
             <a:r>
               <a:rPr lang="en-US" sz="2800" dirty="0">
-                <a:latin typeface="CMU Serif" panose="02000603000000000000" pitchFamily="2" charset="0"/>
+                <a:latin typeface="Times New Roman" panose="02020603050405020304" pitchFamily="18" charset="0"/>
                 <a:ea typeface="CMU Serif" panose="02000603000000000000" pitchFamily="2" charset="0"/>
-                <a:cs typeface="CMU Serif" panose="02000603000000000000" pitchFamily="2" charset="0"/>
+                <a:cs typeface="Times New Roman" panose="02020603050405020304" pitchFamily="18" charset="0"/>
               </a:rPr>
               <a:t>Report</a:t>
             </a:r>
@@ -15792,16 +15760,15 @@
           </p:cNvPicPr>
           <p:nvPr/>
         </p:nvPicPr>
-        <p:blipFill>
+        <p:blipFill rotWithShape="1">
           <a:blip r:embed="rId2"/>
-          <a:stretch>
-            <a:fillRect/>
-          </a:stretch>
+          <a:srcRect l="1917" t="11020" r="2094" b="8085"/>
+          <a:stretch/>
         </p:blipFill>
         <p:spPr>
           <a:xfrm>
-            <a:off x="2804653" y="2177002"/>
-            <a:ext cx="6582694" cy="3648584"/>
+            <a:off x="2930769" y="2579077"/>
+            <a:ext cx="6318739" cy="2951556"/>
           </a:xfrm>
           <a:prstGeom prst="rect">
             <a:avLst/>
@@ -15822,7 +15789,7 @@
         </p:nvSpPr>
         <p:spPr>
           <a:xfrm>
-            <a:off x="3048000" y="5706320"/>
+            <a:off x="2930769" y="6029486"/>
             <a:ext cx="6096000" cy="646331"/>
           </a:xfrm>
           <a:prstGeom prst="rect">
@@ -16849,19 +16816,9 @@
               <a:rPr lang="en-US" dirty="0">
                 <a:latin typeface="CMU Serif" panose="02000603000000000000" pitchFamily="2" charset="0"/>
                 <a:ea typeface="CMU Serif" panose="02000603000000000000" pitchFamily="2" charset="0"/>
-                <a:cs typeface="CMU Serif" panose="02000603000000000000" pitchFamily="2" charset="0"/>
+                <a:cs typeface="Times New Roman" panose="02020603050405020304" pitchFamily="18" charset="0"/>
               </a:rPr>
-              <a:t>This table can be used for requirements deﬁnition, </a:t>
-            </a:r>
-          </a:p>
-          <a:p>
-            <a:r>
-              <a:rPr lang="en-US" dirty="0">
-                <a:latin typeface="CMU Serif" panose="02000603000000000000" pitchFamily="2" charset="0"/>
-                <a:ea typeface="CMU Serif" panose="02000603000000000000" pitchFamily="2" charset="0"/>
-                <a:cs typeface="CMU Serif" panose="02000603000000000000" pitchFamily="2" charset="0"/>
-              </a:rPr>
-              <a:t>program design, and acceptance testing.</a:t>
+              <a:t>This table can be used for requirements deﬁnition,  program design, and acceptance testing.</a:t>
             </a:r>
           </a:p>
         </p:txBody>
@@ -16970,7 +16927,7 @@
         </p:nvSpPr>
         <p:spPr>
           <a:xfrm>
-            <a:off x="838200" y="1982804"/>
+            <a:off x="1037493" y="2121033"/>
             <a:ext cx="6096000" cy="523220"/>
           </a:xfrm>
           <a:prstGeom prst="rect">
@@ -17157,7 +17114,12 @@
             <p:ph type="title"/>
           </p:nvPr>
         </p:nvSpPr>
-        <p:spPr/>
+        <p:spPr>
+          <a:xfrm>
+            <a:off x="1154723" y="177556"/>
+            <a:ext cx="10515600" cy="1325563"/>
+          </a:xfrm>
+        </p:spPr>
         <p:txBody>
           <a:bodyPr/>
           <a:lstStyle/>
@@ -17215,7 +17177,7 @@
         </p:nvSpPr>
         <p:spPr>
           <a:xfrm>
-            <a:off x="3691466" y="2219868"/>
+            <a:off x="3364523" y="2219868"/>
             <a:ext cx="6096000" cy="523220"/>
           </a:xfrm>
           <a:prstGeom prst="rect">
@@ -17231,9 +17193,9 @@
           <a:p>
             <a:r>
               <a:rPr lang="en-US" sz="2800" dirty="0">
-                <a:latin typeface="CMU Serif" panose="02000603000000000000" pitchFamily="2" charset="0"/>
+                <a:latin typeface="Times New Roman" panose="02020603050405020304" pitchFamily="18" charset="0"/>
                 <a:ea typeface="CMU Serif" panose="02000603000000000000" pitchFamily="2" charset="0"/>
-                <a:cs typeface="CMU Serif" panose="02000603000000000000" pitchFamily="2" charset="0"/>
+                <a:cs typeface="Times New Roman" panose="02020603050405020304" pitchFamily="18" charset="0"/>
               </a:rPr>
               <a:t>An entity (noun)</a:t>
             </a:r>
@@ -17254,7 +17216,7 @@
         </p:nvSpPr>
         <p:spPr>
           <a:xfrm>
-            <a:off x="3691466" y="3118380"/>
+            <a:off x="3364523" y="3118380"/>
             <a:ext cx="6096000" cy="523220"/>
           </a:xfrm>
           <a:prstGeom prst="rect">
@@ -17269,18 +17231,13 @@
           <a:lstStyle/>
           <a:p>
             <a:r>
-              <a:rPr lang="en-US" sz="2800">
-                <a:latin typeface="CMU Serif" panose="02000603000000000000" pitchFamily="2" charset="0"/>
+              <a:rPr lang="en-US" sz="2800" dirty="0">
+                <a:latin typeface="Times New Roman" panose="02020603050405020304" pitchFamily="18" charset="0"/>
                 <a:ea typeface="CMU Serif" panose="02000603000000000000" pitchFamily="2" charset="0"/>
-                <a:cs typeface="CMU Serif" panose="02000603000000000000" pitchFamily="2" charset="0"/>
+                <a:cs typeface="Times New Roman" panose="02020603050405020304" pitchFamily="18" charset="0"/>
               </a:rPr>
               <a:t>A relation between entities (verb)</a:t>
             </a:r>
-            <a:endParaRPr lang="en-US" sz="2800" dirty="0">
-              <a:latin typeface="CMU Serif" panose="02000603000000000000" pitchFamily="2" charset="0"/>
-              <a:ea typeface="CMU Serif" panose="02000603000000000000" pitchFamily="2" charset="0"/>
-              <a:cs typeface="CMU Serif" panose="02000603000000000000" pitchFamily="2" charset="0"/>
-            </a:endParaRPr>
           </a:p>
         </p:txBody>
       </p:sp>
@@ -17298,7 +17255,7 @@
         </p:nvSpPr>
         <p:spPr>
           <a:xfrm>
-            <a:off x="3691466" y="4016892"/>
+            <a:off x="3364523" y="4016892"/>
             <a:ext cx="6096000" cy="523220"/>
           </a:xfrm>
           <a:prstGeom prst="rect">
@@ -17314,9 +17271,9 @@
           <a:p>
             <a:r>
               <a:rPr lang="en-US" sz="2800" dirty="0">
-                <a:latin typeface="CMU Serif" panose="02000603000000000000" pitchFamily="2" charset="0"/>
+                <a:latin typeface="Times New Roman" panose="02020603050405020304" pitchFamily="18" charset="0"/>
                 <a:ea typeface="CMU Serif" panose="02000603000000000000" pitchFamily="2" charset="0"/>
-                <a:cs typeface="CMU Serif" panose="02000603000000000000" pitchFamily="2" charset="0"/>
+                <a:cs typeface="Times New Roman" panose="02020603050405020304" pitchFamily="18" charset="0"/>
               </a:rPr>
               <a:t>An entity or relation attribute</a:t>
             </a:r>
@@ -17524,7 +17481,7 @@
         </p:nvSpPr>
         <p:spPr>
           <a:xfrm>
-            <a:off x="736600" y="1836261"/>
+            <a:off x="838200" y="1824538"/>
             <a:ext cx="6925642" cy="523220"/>
           </a:xfrm>
           <a:prstGeom prst="rect">
